--- a/游戏分析/QQ飞车分析.pptx
+++ b/游戏分析/QQ飞车分析.pptx
@@ -29,6 +29,15 @@
     <p:sldId id="277" r:id="rId23"/>
     <p:sldId id="278" r:id="rId24"/>
     <p:sldId id="279" r:id="rId25"/>
+    <p:sldId id="280" r:id="rId26"/>
+    <p:sldId id="281" r:id="rId27"/>
+    <p:sldId id="287" r:id="rId28"/>
+    <p:sldId id="288" r:id="rId29"/>
+    <p:sldId id="282" r:id="rId30"/>
+    <p:sldId id="283" r:id="rId31"/>
+    <p:sldId id="284" r:id="rId32"/>
+    <p:sldId id="285" r:id="rId33"/>
+    <p:sldId id="286" r:id="rId34"/>
   </p:sldIdLst>
   <p:sldSz cx="9144000" cy="6858000" type="screen4x3"/>
   <p:notesSz cx="6858000" cy="9144000"/>
@@ -3199,6 +3208,13 @@
   <p:clrMapOvr>
     <a:masterClrMapping/>
   </p:clrMapOvr>
+  <p:timing>
+    <p:tnLst>
+      <p:par>
+        <p:cTn id="1" dur="indefinite" restart="never" nodeType="tmRoot"/>
+      </p:par>
+    </p:tnLst>
+  </p:timing>
 </p:sld>
 </file>
 
@@ -3356,6 +3372,13 @@
   <p:clrMapOvr>
     <a:masterClrMapping/>
   </p:clrMapOvr>
+  <p:timing>
+    <p:tnLst>
+      <p:par>
+        <p:cTn id="1" dur="indefinite" restart="never" nodeType="tmRoot"/>
+      </p:par>
+    </p:tnLst>
+  </p:timing>
 </p:sld>
 </file>
 
@@ -3496,6 +3519,13 @@
   <p:clrMapOvr>
     <a:masterClrMapping/>
   </p:clrMapOvr>
+  <p:timing>
+    <p:tnLst>
+      <p:par>
+        <p:cTn id="1" dur="indefinite" restart="never" nodeType="tmRoot"/>
+      </p:par>
+    </p:tnLst>
+  </p:timing>
 </p:sld>
 </file>
 
@@ -3672,6 +3702,13 @@
   <p:clrMapOvr>
     <a:masterClrMapping/>
   </p:clrMapOvr>
+  <p:timing>
+    <p:tnLst>
+      <p:par>
+        <p:cTn id="1" dur="indefinite" restart="never" nodeType="tmRoot"/>
+      </p:par>
+    </p:tnLst>
+  </p:timing>
 </p:sld>
 </file>
 
@@ -3841,6 +3878,13 @@
   <p:clrMapOvr>
     <a:masterClrMapping/>
   </p:clrMapOvr>
+  <p:timing>
+    <p:tnLst>
+      <p:par>
+        <p:cTn id="1" dur="indefinite" restart="never" nodeType="tmRoot"/>
+      </p:par>
+    </p:tnLst>
+  </p:timing>
 </p:sld>
 </file>
 
@@ -3972,6 +4016,13 @@
   <p:clrMapOvr>
     <a:masterClrMapping/>
   </p:clrMapOvr>
+  <p:timing>
+    <p:tnLst>
+      <p:par>
+        <p:cTn id="1" dur="indefinite" restart="never" nodeType="tmRoot"/>
+      </p:par>
+    </p:tnLst>
+  </p:timing>
 </p:sld>
 </file>
 
@@ -4169,6 +4220,13 @@
   <p:clrMapOvr>
     <a:masterClrMapping/>
   </p:clrMapOvr>
+  <p:timing>
+    <p:tnLst>
+      <p:par>
+        <p:cTn id="1" dur="indefinite" restart="never" nodeType="tmRoot"/>
+      </p:par>
+    </p:tnLst>
+  </p:timing>
 </p:sld>
 </file>
 
@@ -4282,6 +4340,13 @@
   <p:clrMapOvr>
     <a:masterClrMapping/>
   </p:clrMapOvr>
+  <p:timing>
+    <p:tnLst>
+      <p:par>
+        <p:cTn id="1" dur="indefinite" restart="never" nodeType="tmRoot"/>
+      </p:par>
+    </p:tnLst>
+  </p:timing>
 </p:sld>
 </file>
 
@@ -4499,6 +4564,13 @@
   <p:clrMapOvr>
     <a:masterClrMapping/>
   </p:clrMapOvr>
+  <p:timing>
+    <p:tnLst>
+      <p:par>
+        <p:cTn id="1" dur="indefinite" restart="never" nodeType="tmRoot"/>
+      </p:par>
+    </p:tnLst>
+  </p:timing>
 </p:sld>
 </file>
 
@@ -4595,6 +4667,13 @@
   <p:clrMapOvr>
     <a:masterClrMapping/>
   </p:clrMapOvr>
+  <p:timing>
+    <p:tnLst>
+      <p:par>
+        <p:cTn id="1" dur="indefinite" restart="never" nodeType="tmRoot"/>
+      </p:par>
+    </p:tnLst>
+  </p:timing>
 </p:sld>
 </file>
 
@@ -4681,6 +4760,13 @@
   <p:clrMapOvr>
     <a:masterClrMapping/>
   </p:clrMapOvr>
+  <p:timing>
+    <p:tnLst>
+      <p:par>
+        <p:cTn id="1" dur="indefinite" restart="never" nodeType="tmRoot"/>
+      </p:par>
+    </p:tnLst>
+  </p:timing>
 </p:sld>
 </file>
 
@@ -4761,261 +4847,381 @@
           <a:p>
             <a:pPr lvl="0"/>
             <a:r>
-              <a:rPr lang="en-US" altLang="zh-CN" u="sng" dirty="0" smtClean="0">
-                <a:hlinkClick r:id="rId2"/>
+              <a:rPr lang="en-US" altLang="zh-CN" dirty="0" smtClean="0">
+                <a:solidFill>
+                  <a:srgbClr val="0099FF"/>
+                </a:solidFill>
               </a:rPr>
               <a:t>1</a:t>
             </a:r>
             <a:r>
-              <a:rPr lang="zh-CN" altLang="en-US" u="sng" dirty="0" smtClean="0">
-                <a:hlinkClick r:id="rId2"/>
+              <a:rPr lang="zh-CN" altLang="en-US" dirty="0" smtClean="0">
+                <a:solidFill>
+                  <a:srgbClr val="0099FF"/>
+                </a:solidFill>
               </a:rPr>
               <a:t>、</a:t>
             </a:r>
             <a:r>
-              <a:rPr lang="en-US" altLang="zh-CN" u="sng" dirty="0" err="1" smtClean="0">
-                <a:hlinkClick r:id="rId2"/>
+              <a:rPr lang="en-US" altLang="zh-CN" dirty="0" err="1" smtClean="0">
+                <a:solidFill>
+                  <a:srgbClr val="0099FF"/>
+                </a:solidFill>
               </a:rPr>
               <a:t>录像系统</a:t>
             </a:r>
-            <a:endParaRPr lang="zh-CN" altLang="zh-CN" dirty="0"/>
+            <a:endParaRPr lang="zh-CN" altLang="zh-CN" dirty="0">
+              <a:solidFill>
+                <a:srgbClr val="0099FF"/>
+              </a:solidFill>
+            </a:endParaRPr>
           </a:p>
           <a:p>
             <a:pPr lvl="0"/>
             <a:r>
-              <a:rPr lang="en-US" altLang="zh-CN" u="sng" dirty="0" smtClean="0">
-                <a:hlinkClick r:id="rId3"/>
+              <a:rPr lang="en-US" altLang="zh-CN" dirty="0" smtClean="0">
+                <a:solidFill>
+                  <a:srgbClr val="0099FF"/>
+                </a:solidFill>
               </a:rPr>
               <a:t>2</a:t>
             </a:r>
             <a:r>
-              <a:rPr lang="zh-CN" altLang="en-US" u="sng" dirty="0" smtClean="0">
-                <a:hlinkClick r:id="rId3"/>
+              <a:rPr lang="zh-CN" altLang="en-US" dirty="0" smtClean="0">
+                <a:solidFill>
+                  <a:srgbClr val="0099FF"/>
+                </a:solidFill>
               </a:rPr>
               <a:t>、</a:t>
             </a:r>
             <a:r>
-              <a:rPr lang="en-US" altLang="zh-CN" u="sng" dirty="0" err="1" smtClean="0">
-                <a:hlinkClick r:id="rId3"/>
+              <a:rPr lang="en-US" altLang="zh-CN" dirty="0" err="1" smtClean="0">
+                <a:solidFill>
+                  <a:srgbClr val="0099FF"/>
+                </a:solidFill>
               </a:rPr>
               <a:t>师徒系统</a:t>
             </a:r>
-            <a:endParaRPr lang="en-US" altLang="zh-CN" u="sng" dirty="0" smtClean="0"/>
-          </a:p>
-          <a:p>
-            <a:r>
-              <a:rPr lang="en-US" altLang="zh-CN" u="sng" dirty="0" smtClean="0">
-                <a:hlinkClick r:id="rId4"/>
+            <a:endParaRPr lang="en-US" altLang="zh-CN" dirty="0" smtClean="0">
+              <a:solidFill>
+                <a:srgbClr val="0099FF"/>
+              </a:solidFill>
+            </a:endParaRPr>
+          </a:p>
+          <a:p>
+            <a:r>
+              <a:rPr lang="en-US" altLang="zh-CN" dirty="0" smtClean="0">
+                <a:solidFill>
+                  <a:srgbClr val="0099FF"/>
+                </a:solidFill>
               </a:rPr>
               <a:t>3</a:t>
             </a:r>
             <a:r>
-              <a:rPr lang="zh-CN" altLang="en-US" u="sng" dirty="0" smtClean="0">
-                <a:hlinkClick r:id="rId4"/>
+              <a:rPr lang="zh-CN" altLang="en-US" dirty="0" smtClean="0">
+                <a:solidFill>
+                  <a:srgbClr val="0099FF"/>
+                </a:solidFill>
               </a:rPr>
               <a:t>、</a:t>
             </a:r>
             <a:r>
-              <a:rPr lang="en-US" altLang="zh-CN" u="sng" dirty="0" err="1" smtClean="0">
-                <a:hlinkClick r:id="rId4"/>
+              <a:rPr lang="en-US" altLang="zh-CN" dirty="0" err="1" smtClean="0">
+                <a:solidFill>
+                  <a:srgbClr val="0099FF"/>
+                </a:solidFill>
               </a:rPr>
               <a:t>聊天系统</a:t>
             </a:r>
-            <a:endParaRPr lang="zh-CN" altLang="zh-CN" dirty="0"/>
-          </a:p>
-          <a:p>
-            <a:r>
-              <a:rPr lang="en-US" altLang="zh-CN" u="sng" dirty="0" smtClean="0">
-                <a:hlinkClick r:id="rId5"/>
+            <a:endParaRPr lang="zh-CN" altLang="zh-CN" dirty="0">
+              <a:solidFill>
+                <a:srgbClr val="0099FF"/>
+              </a:solidFill>
+            </a:endParaRPr>
+          </a:p>
+          <a:p>
+            <a:r>
+              <a:rPr lang="en-US" altLang="zh-CN" dirty="0" smtClean="0">
+                <a:solidFill>
+                  <a:srgbClr val="0099FF"/>
+                </a:solidFill>
               </a:rPr>
               <a:t>4</a:t>
             </a:r>
             <a:r>
-              <a:rPr lang="zh-CN" altLang="en-US" u="sng" dirty="0" smtClean="0">
-                <a:hlinkClick r:id="rId5"/>
+              <a:rPr lang="zh-CN" altLang="en-US" dirty="0" smtClean="0">
+                <a:solidFill>
+                  <a:srgbClr val="0099FF"/>
+                </a:solidFill>
               </a:rPr>
               <a:t>、</a:t>
             </a:r>
             <a:r>
-              <a:rPr lang="en-US" altLang="zh-CN" u="sng" dirty="0" err="1" smtClean="0">
-                <a:hlinkClick r:id="rId5"/>
+              <a:rPr lang="en-US" altLang="zh-CN" dirty="0" err="1" smtClean="0">
+                <a:solidFill>
+                  <a:srgbClr val="0099FF"/>
+                </a:solidFill>
               </a:rPr>
               <a:t>任务系统</a:t>
             </a:r>
-            <a:endParaRPr lang="zh-CN" altLang="zh-CN" dirty="0"/>
-          </a:p>
-          <a:p>
-            <a:r>
-              <a:rPr lang="en-US" altLang="zh-CN" u="sng" dirty="0" smtClean="0">
-                <a:hlinkClick r:id="rId6"/>
+            <a:endParaRPr lang="zh-CN" altLang="zh-CN" dirty="0">
+              <a:solidFill>
+                <a:srgbClr val="0099FF"/>
+              </a:solidFill>
+            </a:endParaRPr>
+          </a:p>
+          <a:p>
+            <a:r>
+              <a:rPr lang="en-US" altLang="zh-CN" dirty="0" smtClean="0">
+                <a:solidFill>
+                  <a:srgbClr val="0099FF"/>
+                </a:solidFill>
               </a:rPr>
               <a:t>5</a:t>
             </a:r>
             <a:r>
-              <a:rPr lang="zh-CN" altLang="en-US" u="sng" dirty="0" smtClean="0">
-                <a:hlinkClick r:id="rId6"/>
+              <a:rPr lang="zh-CN" altLang="en-US" dirty="0" smtClean="0">
+                <a:solidFill>
+                  <a:srgbClr val="0099FF"/>
+                </a:solidFill>
               </a:rPr>
               <a:t>、</a:t>
             </a:r>
             <a:r>
-              <a:rPr lang="en-US" altLang="zh-CN" u="sng" dirty="0" err="1" smtClean="0">
-                <a:hlinkClick r:id="rId6"/>
+              <a:rPr lang="en-US" altLang="zh-CN" dirty="0" err="1" smtClean="0">
+                <a:solidFill>
+                  <a:srgbClr val="0099FF"/>
+                </a:solidFill>
               </a:rPr>
               <a:t>结婚系统</a:t>
             </a:r>
-            <a:endParaRPr lang="zh-CN" altLang="zh-CN" dirty="0"/>
+            <a:endParaRPr lang="zh-CN" altLang="zh-CN" dirty="0">
+              <a:solidFill>
+                <a:srgbClr val="0099FF"/>
+              </a:solidFill>
+            </a:endParaRPr>
           </a:p>
           <a:p>
             <a:pPr lvl="0"/>
             <a:r>
-              <a:rPr lang="en-US" altLang="zh-CN" u="sng" dirty="0" smtClean="0">
-                <a:hlinkClick r:id="rId7"/>
+              <a:rPr lang="en-US" altLang="zh-CN" dirty="0" smtClean="0">
+                <a:solidFill>
+                  <a:srgbClr val="0099FF"/>
+                </a:solidFill>
               </a:rPr>
               <a:t>6</a:t>
             </a:r>
             <a:r>
-              <a:rPr lang="zh-CN" altLang="en-US" u="sng" dirty="0" smtClean="0">
-                <a:hlinkClick r:id="rId7"/>
+              <a:rPr lang="zh-CN" altLang="en-US" dirty="0" smtClean="0">
+                <a:solidFill>
+                  <a:srgbClr val="0099FF"/>
+                </a:solidFill>
               </a:rPr>
               <a:t>、</a:t>
             </a:r>
             <a:r>
-              <a:rPr lang="en-US" altLang="zh-CN" u="sng" dirty="0" err="1" smtClean="0">
-                <a:hlinkClick r:id="rId7"/>
+              <a:rPr lang="en-US" altLang="zh-CN" dirty="0" err="1" smtClean="0">
+                <a:solidFill>
+                  <a:srgbClr val="0099FF"/>
+                </a:solidFill>
               </a:rPr>
               <a:t>称号系统</a:t>
             </a:r>
-            <a:endParaRPr lang="en-US" altLang="zh-CN" u="sng" dirty="0"/>
-          </a:p>
-          <a:p>
-            <a:r>
-              <a:rPr lang="en-US" altLang="zh-CN" u="sng" dirty="0" smtClean="0">
-                <a:hlinkClick r:id="rId8"/>
+            <a:endParaRPr lang="en-US" altLang="zh-CN" dirty="0">
+              <a:solidFill>
+                <a:srgbClr val="0099FF"/>
+              </a:solidFill>
+            </a:endParaRPr>
+          </a:p>
+          <a:p>
+            <a:r>
+              <a:rPr lang="en-US" altLang="zh-CN" dirty="0" smtClean="0">
+                <a:solidFill>
+                  <a:srgbClr val="0099FF"/>
+                </a:solidFill>
               </a:rPr>
               <a:t>7</a:t>
             </a:r>
             <a:r>
-              <a:rPr lang="zh-CN" altLang="en-US" u="sng" dirty="0" smtClean="0">
-                <a:hlinkClick r:id="rId8"/>
+              <a:rPr lang="zh-CN" altLang="en-US" dirty="0" smtClean="0">
+                <a:solidFill>
+                  <a:srgbClr val="0099FF"/>
+                </a:solidFill>
               </a:rPr>
               <a:t>、</a:t>
             </a:r>
             <a:r>
-              <a:rPr lang="en-US" altLang="zh-CN" u="sng" dirty="0" err="1" smtClean="0">
-                <a:hlinkClick r:id="rId8"/>
+              <a:rPr lang="en-US" altLang="zh-CN" dirty="0" err="1" smtClean="0">
+                <a:solidFill>
+                  <a:srgbClr val="0099FF"/>
+                </a:solidFill>
               </a:rPr>
               <a:t>改装系统</a:t>
             </a:r>
-            <a:endParaRPr lang="zh-CN" altLang="zh-CN" dirty="0"/>
+            <a:endParaRPr lang="zh-CN" altLang="zh-CN" dirty="0">
+              <a:solidFill>
+                <a:srgbClr val="0099FF"/>
+              </a:solidFill>
+            </a:endParaRPr>
           </a:p>
           <a:p>
             <a:pPr lvl="0"/>
             <a:r>
-              <a:rPr lang="en-US" altLang="zh-CN" u="sng" dirty="0" smtClean="0">
-                <a:hlinkClick r:id="rId9"/>
+              <a:rPr lang="en-US" altLang="zh-CN" dirty="0" smtClean="0">
+                <a:solidFill>
+                  <a:srgbClr val="0099FF"/>
+                </a:solidFill>
               </a:rPr>
               <a:t>8</a:t>
             </a:r>
             <a:r>
-              <a:rPr lang="zh-CN" altLang="en-US" u="sng" dirty="0" smtClean="0">
-                <a:hlinkClick r:id="rId9"/>
+              <a:rPr lang="zh-CN" altLang="en-US" dirty="0" smtClean="0">
+                <a:solidFill>
+                  <a:srgbClr val="0099FF"/>
+                </a:solidFill>
               </a:rPr>
               <a:t>、</a:t>
             </a:r>
             <a:r>
-              <a:rPr lang="en-US" altLang="zh-CN" u="sng" dirty="0" err="1" smtClean="0">
-                <a:hlinkClick r:id="rId9"/>
+              <a:rPr lang="en-US" altLang="zh-CN" dirty="0" err="1" smtClean="0">
+                <a:solidFill>
+                  <a:srgbClr val="0099FF"/>
+                </a:solidFill>
               </a:rPr>
               <a:t>保养系统</a:t>
             </a:r>
-            <a:endParaRPr lang="zh-CN" altLang="zh-CN" dirty="0"/>
+            <a:endParaRPr lang="zh-CN" altLang="zh-CN" dirty="0">
+              <a:solidFill>
+                <a:srgbClr val="0099FF"/>
+              </a:solidFill>
+            </a:endParaRPr>
           </a:p>
           <a:p>
             <a:pPr lvl="0"/>
             <a:r>
-              <a:rPr lang="en-US" altLang="zh-CN" u="sng" dirty="0" smtClean="0">
-                <a:hlinkClick r:id="rId10"/>
+              <a:rPr lang="en-US" altLang="zh-CN" dirty="0" smtClean="0">
+                <a:solidFill>
+                  <a:srgbClr val="0099FF"/>
+                </a:solidFill>
               </a:rPr>
               <a:t>9</a:t>
             </a:r>
             <a:r>
-              <a:rPr lang="zh-CN" altLang="en-US" u="sng" dirty="0" smtClean="0">
-                <a:hlinkClick r:id="rId10"/>
+              <a:rPr lang="zh-CN" altLang="en-US" dirty="0" smtClean="0">
+                <a:solidFill>
+                  <a:srgbClr val="0099FF"/>
+                </a:solidFill>
               </a:rPr>
               <a:t>、</a:t>
             </a:r>
             <a:r>
-              <a:rPr lang="en-US" altLang="zh-CN" u="sng" dirty="0" err="1" smtClean="0">
-                <a:hlinkClick r:id="rId10"/>
+              <a:rPr lang="en-US" altLang="zh-CN" dirty="0" err="1" smtClean="0">
+                <a:solidFill>
+                  <a:srgbClr val="0099FF"/>
+                </a:solidFill>
               </a:rPr>
               <a:t>成就系统</a:t>
             </a:r>
-            <a:endParaRPr lang="zh-CN" altLang="zh-CN" dirty="0"/>
+            <a:endParaRPr lang="zh-CN" altLang="zh-CN" dirty="0">
+              <a:solidFill>
+                <a:srgbClr val="0099FF"/>
+              </a:solidFill>
+            </a:endParaRPr>
           </a:p>
           <a:p>
             <a:pPr lvl="0"/>
             <a:r>
-              <a:rPr lang="en-US" altLang="zh-CN" u="sng" dirty="0" smtClean="0">
-                <a:hlinkClick r:id="rId11"/>
+              <a:rPr lang="en-US" altLang="zh-CN" dirty="0" smtClean="0">
+                <a:solidFill>
+                  <a:srgbClr val="0099FF"/>
+                </a:solidFill>
               </a:rPr>
               <a:t>10</a:t>
             </a:r>
             <a:r>
-              <a:rPr lang="zh-CN" altLang="en-US" u="sng" dirty="0" smtClean="0">
-                <a:hlinkClick r:id="rId11"/>
+              <a:rPr lang="zh-CN" altLang="en-US" dirty="0" smtClean="0">
+                <a:solidFill>
+                  <a:srgbClr val="0099FF"/>
+                </a:solidFill>
               </a:rPr>
               <a:t>、</a:t>
             </a:r>
             <a:r>
-              <a:rPr lang="en-US" altLang="zh-CN" u="sng" dirty="0" err="1" smtClean="0">
-                <a:hlinkClick r:id="rId11"/>
+              <a:rPr lang="en-US" altLang="zh-CN" dirty="0" err="1" smtClean="0">
+                <a:solidFill>
+                  <a:srgbClr val="0099FF"/>
+                </a:solidFill>
               </a:rPr>
               <a:t>车队系统</a:t>
             </a:r>
-            <a:endParaRPr lang="zh-CN" altLang="zh-CN" dirty="0"/>
-          </a:p>
-          <a:p>
-            <a:r>
-              <a:rPr lang="en-US" altLang="zh-CN" u="sng" dirty="0" smtClean="0">
-                <a:hlinkClick r:id="rId12"/>
+            <a:endParaRPr lang="zh-CN" altLang="zh-CN" dirty="0">
+              <a:solidFill>
+                <a:srgbClr val="0099FF"/>
+              </a:solidFill>
+            </a:endParaRPr>
+          </a:p>
+          <a:p>
+            <a:r>
+              <a:rPr lang="en-US" altLang="zh-CN" dirty="0" smtClean="0">
+                <a:solidFill>
+                  <a:srgbClr val="0099FF"/>
+                </a:solidFill>
               </a:rPr>
               <a:t>11</a:t>
             </a:r>
             <a:r>
-              <a:rPr lang="zh-CN" altLang="en-US" u="sng" dirty="0" smtClean="0">
-                <a:hlinkClick r:id="rId12"/>
+              <a:rPr lang="zh-CN" altLang="en-US" dirty="0" smtClean="0">
+                <a:solidFill>
+                  <a:srgbClr val="0099FF"/>
+                </a:solidFill>
               </a:rPr>
               <a:t>、</a:t>
             </a:r>
             <a:r>
-              <a:rPr lang="en-US" altLang="zh-CN" u="sng" dirty="0" err="1" smtClean="0">
-                <a:hlinkClick r:id="rId12"/>
+              <a:rPr lang="en-US" altLang="zh-CN" dirty="0" err="1" smtClean="0">
+                <a:solidFill>
+                  <a:srgbClr val="0099FF"/>
+                </a:solidFill>
               </a:rPr>
               <a:t>漂流瓶系统</a:t>
             </a:r>
-            <a:endParaRPr lang="zh-CN" altLang="zh-CN" u="sng" dirty="0"/>
+            <a:endParaRPr lang="zh-CN" altLang="zh-CN" dirty="0">
+              <a:solidFill>
+                <a:srgbClr val="0099FF"/>
+              </a:solidFill>
+            </a:endParaRPr>
           </a:p>
           <a:p>
             <a:pPr lvl="0"/>
             <a:r>
-              <a:rPr lang="en-US" altLang="zh-CN" u="sng" dirty="0" smtClean="0">
-                <a:hlinkClick r:id="rId13"/>
+              <a:rPr lang="en-US" altLang="zh-CN" dirty="0" smtClean="0">
+                <a:solidFill>
+                  <a:srgbClr val="0099FF"/>
+                </a:solidFill>
               </a:rPr>
               <a:t>12</a:t>
             </a:r>
             <a:r>
-              <a:rPr lang="zh-CN" altLang="en-US" u="sng" dirty="0" smtClean="0">
-                <a:hlinkClick r:id="rId13"/>
+              <a:rPr lang="zh-CN" altLang="en-US" dirty="0" smtClean="0">
+                <a:solidFill>
+                  <a:srgbClr val="0099FF"/>
+                </a:solidFill>
               </a:rPr>
               <a:t>、</a:t>
             </a:r>
             <a:r>
-              <a:rPr lang="en-US" altLang="zh-CN" u="sng" dirty="0" err="1" smtClean="0">
-                <a:hlinkClick r:id="rId13"/>
+              <a:rPr lang="en-US" altLang="zh-CN" dirty="0" err="1" smtClean="0">
+                <a:solidFill>
+                  <a:srgbClr val="0099FF"/>
+                </a:solidFill>
               </a:rPr>
               <a:t>养鱼系统</a:t>
             </a:r>
-            <a:endParaRPr lang="zh-CN" altLang="zh-CN" u="sng" dirty="0"/>
+            <a:endParaRPr lang="zh-CN" altLang="zh-CN" dirty="0">
+              <a:solidFill>
+                <a:srgbClr val="0099FF"/>
+              </a:solidFill>
+            </a:endParaRPr>
           </a:p>
           <a:p>
             <a:endParaRPr lang="zh-CN" altLang="en-US" b="1" dirty="0"/>
@@ -5032,6 +5238,13 @@
   <p:clrMapOvr>
     <a:masterClrMapping/>
   </p:clrMapOvr>
+  <p:timing>
+    <p:tnLst>
+      <p:par>
+        <p:cTn id="1" dur="indefinite" restart="never" nodeType="tmRoot"/>
+      </p:par>
+    </p:tnLst>
+  </p:timing>
 </p:sld>
 </file>
 
@@ -5288,6 +5501,13 @@
   <p:clrMapOvr>
     <a:masterClrMapping/>
   </p:clrMapOvr>
+  <p:timing>
+    <p:tnLst>
+      <p:par>
+        <p:cTn id="1" dur="indefinite" restart="never" nodeType="tmRoot"/>
+      </p:par>
+    </p:tnLst>
+  </p:timing>
 </p:sld>
 </file>
 
@@ -5426,6 +5646,13 @@
   <p:clrMapOvr>
     <a:masterClrMapping/>
   </p:clrMapOvr>
+  <p:timing>
+    <p:tnLst>
+      <p:par>
+        <p:cTn id="1" dur="indefinite" restart="never" nodeType="tmRoot"/>
+      </p:par>
+    </p:tnLst>
+  </p:timing>
 </p:sld>
 </file>
 
@@ -5562,6 +5789,13 @@
   <p:clrMapOvr>
     <a:masterClrMapping/>
   </p:clrMapOvr>
+  <p:timing>
+    <p:tnLst>
+      <p:par>
+        <p:cTn id="1" dur="indefinite" restart="never" nodeType="tmRoot"/>
+      </p:par>
+    </p:tnLst>
+  </p:timing>
 </p:sld>
 </file>
 
@@ -5698,6 +5932,13 @@
   <p:clrMapOvr>
     <a:masterClrMapping/>
   </p:clrMapOvr>
+  <p:timing>
+    <p:tnLst>
+      <p:par>
+        <p:cTn id="1" dur="indefinite" restart="never" nodeType="tmRoot"/>
+      </p:par>
+    </p:tnLst>
+  </p:timing>
 </p:sld>
 </file>
 
@@ -5878,6 +6119,804 @@
     <p:extLst>
       <p:ext uri="{BB962C8B-B14F-4D97-AF65-F5344CB8AC3E}">
         <p14:creationId xmlns:p14="http://schemas.microsoft.com/office/powerpoint/2010/main" val="2770866708"/>
+      </p:ext>
+    </p:extLst>
+  </p:cSld>
+  <p:clrMapOvr>
+    <a:masterClrMapping/>
+  </p:clrMapOvr>
+  <p:timing>
+    <p:tnLst>
+      <p:par>
+        <p:cTn id="1" dur="indefinite" restart="never" nodeType="tmRoot"/>
+      </p:par>
+    </p:tnLst>
+  </p:timing>
+</p:sld>
+</file>
+
+<file path=ppt/slides/slide25.xml><?xml version="1.0" encoding="utf-8"?>
+<p:sld xmlns:a="http://schemas.openxmlformats.org/drawingml/2006/main" xmlns:r="http://schemas.openxmlformats.org/officeDocument/2006/relationships" xmlns:p="http://schemas.openxmlformats.org/presentationml/2006/main">
+  <p:cSld>
+    <p:spTree>
+      <p:nvGrpSpPr>
+        <p:cNvPr id="1" name=""/>
+        <p:cNvGrpSpPr/>
+        <p:nvPr/>
+      </p:nvGrpSpPr>
+      <p:grpSpPr>
+        <a:xfrm>
+          <a:off x="0" y="0"/>
+          <a:ext cx="0" cy="0"/>
+          <a:chOff x="0" y="0"/>
+          <a:chExt cx="0" cy="0"/>
+        </a:xfrm>
+      </p:grpSpPr>
+      <p:sp>
+        <p:nvSpPr>
+          <p:cNvPr id="2" name="标题 1"/>
+          <p:cNvSpPr>
+            <a:spLocks noGrp="1"/>
+          </p:cNvSpPr>
+          <p:nvPr>
+            <p:ph type="title"/>
+          </p:nvPr>
+        </p:nvSpPr>
+        <p:spPr/>
+        <p:txBody>
+          <a:bodyPr/>
+          <a:lstStyle/>
+          <a:p>
+            <a:endParaRPr lang="zh-CN" altLang="en-US" dirty="0"/>
+          </a:p>
+        </p:txBody>
+      </p:sp>
+      <p:pic>
+        <p:nvPicPr>
+          <p:cNvPr id="4" name="内容占位符 3" descr="QQ飞车赛车保养"/>
+          <p:cNvPicPr>
+            <a:picLocks noGrp="1"/>
+          </p:cNvPicPr>
+          <p:nvPr>
+            <p:ph idx="1"/>
+          </p:nvPr>
+        </p:nvPicPr>
+        <p:blipFill>
+          <a:blip r:embed="rId2">
+            <a:extLst>
+              <a:ext uri="{28A0092B-C50C-407E-A947-70E740481C1C}">
+                <a14:useLocalDpi xmlns:a14="http://schemas.microsoft.com/office/drawing/2010/main" val="0"/>
+              </a:ext>
+            </a:extLst>
+          </a:blip>
+          <a:srcRect/>
+          <a:stretch>
+            <a:fillRect/>
+          </a:stretch>
+        </p:blipFill>
+        <p:spPr bwMode="auto">
+          <a:xfrm>
+            <a:off x="2681287" y="1901031"/>
+            <a:ext cx="3781425" cy="3924300"/>
+          </a:xfrm>
+          <a:prstGeom prst="rect">
+            <a:avLst/>
+          </a:prstGeom>
+          <a:noFill/>
+          <a:ln>
+            <a:noFill/>
+          </a:ln>
+        </p:spPr>
+      </p:pic>
+    </p:spTree>
+    <p:extLst>
+      <p:ext uri="{BB962C8B-B14F-4D97-AF65-F5344CB8AC3E}">
+        <p14:creationId xmlns:p14="http://schemas.microsoft.com/office/powerpoint/2010/main" val="2748754610"/>
+      </p:ext>
+    </p:extLst>
+  </p:cSld>
+  <p:clrMapOvr>
+    <a:masterClrMapping/>
+  </p:clrMapOvr>
+  <p:timing>
+    <p:tnLst>
+      <p:par>
+        <p:cTn id="1" dur="indefinite" restart="never" nodeType="tmRoot"/>
+      </p:par>
+    </p:tnLst>
+  </p:timing>
+</p:sld>
+</file>
+
+<file path=ppt/slides/slide26.xml><?xml version="1.0" encoding="utf-8"?>
+<p:sld xmlns:a="http://schemas.openxmlformats.org/drawingml/2006/main" xmlns:r="http://schemas.openxmlformats.org/officeDocument/2006/relationships" xmlns:p="http://schemas.openxmlformats.org/presentationml/2006/main">
+  <p:cSld>
+    <p:spTree>
+      <p:nvGrpSpPr>
+        <p:cNvPr id="1" name=""/>
+        <p:cNvGrpSpPr/>
+        <p:nvPr/>
+      </p:nvGrpSpPr>
+      <p:grpSpPr>
+        <a:xfrm>
+          <a:off x="0" y="0"/>
+          <a:ext cx="0" cy="0"/>
+          <a:chOff x="0" y="0"/>
+          <a:chExt cx="0" cy="0"/>
+        </a:xfrm>
+      </p:grpSpPr>
+      <p:sp>
+        <p:nvSpPr>
+          <p:cNvPr id="2" name="标题 1"/>
+          <p:cNvSpPr>
+            <a:spLocks noGrp="1"/>
+          </p:cNvSpPr>
+          <p:nvPr>
+            <p:ph type="title"/>
+          </p:nvPr>
+        </p:nvSpPr>
+        <p:spPr/>
+        <p:txBody>
+          <a:bodyPr/>
+          <a:lstStyle/>
+          <a:p>
+            <a:endParaRPr lang="zh-CN" altLang="en-US"/>
+          </a:p>
+        </p:txBody>
+      </p:sp>
+      <p:sp>
+        <p:nvSpPr>
+          <p:cNvPr id="3" name="内容占位符 2"/>
+          <p:cNvSpPr>
+            <a:spLocks noGrp="1"/>
+          </p:cNvSpPr>
+          <p:nvPr>
+            <p:ph idx="1"/>
+          </p:nvPr>
+        </p:nvSpPr>
+        <p:spPr/>
+        <p:txBody>
+          <a:bodyPr/>
+          <a:lstStyle/>
+          <a:p>
+            <a:r>
+              <a:rPr lang="en-US" altLang="zh-CN" sz="1200" dirty="0"/>
+              <a:t>3</a:t>
+            </a:r>
+            <a:r>
+              <a:rPr lang="zh-CN" altLang="zh-CN" sz="1200" dirty="0"/>
+              <a:t>、点击各级保养按钮，即会扣除对应的【保养卡】（保养卡可在 商城</a:t>
+            </a:r>
+            <a:r>
+              <a:rPr lang="en-US" altLang="zh-CN" sz="1200" dirty="0"/>
+              <a:t> - </a:t>
+            </a:r>
+            <a:r>
+              <a:rPr lang="zh-CN" altLang="zh-CN" sz="1200" dirty="0"/>
+              <a:t>功能道具 下直接购买），并在一段保养动画后，显示保养结果，如下图</a:t>
+            </a:r>
+            <a:r>
+              <a:rPr lang="zh-CN" altLang="zh-CN" sz="1200" dirty="0" smtClean="0"/>
+              <a:t>。</a:t>
+            </a:r>
+            <a:endParaRPr lang="en-US" altLang="zh-CN" sz="1200" dirty="0" smtClean="0"/>
+          </a:p>
+          <a:p>
+            <a:endParaRPr lang="en-US" altLang="zh-CN" sz="1200" dirty="0"/>
+          </a:p>
+          <a:p>
+            <a:endParaRPr lang="en-US" altLang="zh-CN" sz="1200" dirty="0" smtClean="0"/>
+          </a:p>
+          <a:p>
+            <a:endParaRPr lang="en-US" altLang="zh-CN" sz="1200" dirty="0"/>
+          </a:p>
+          <a:p>
+            <a:endParaRPr lang="en-US" altLang="zh-CN" sz="1200" dirty="0" smtClean="0"/>
+          </a:p>
+          <a:p>
+            <a:endParaRPr lang="en-US" altLang="zh-CN" sz="1200" dirty="0"/>
+          </a:p>
+          <a:p>
+            <a:endParaRPr lang="en-US" altLang="zh-CN" sz="1200" dirty="0" smtClean="0"/>
+          </a:p>
+          <a:p>
+            <a:endParaRPr lang="en-US" altLang="zh-CN" sz="1200" dirty="0"/>
+          </a:p>
+          <a:p>
+            <a:endParaRPr lang="en-US" altLang="zh-CN" sz="1200" dirty="0" smtClean="0"/>
+          </a:p>
+          <a:p>
+            <a:endParaRPr lang="en-US" altLang="zh-CN" sz="1200" dirty="0"/>
+          </a:p>
+          <a:p>
+            <a:endParaRPr lang="en-US" altLang="zh-CN" sz="1200" dirty="0" smtClean="0"/>
+          </a:p>
+          <a:p>
+            <a:endParaRPr lang="en-US" altLang="zh-CN" sz="1200" dirty="0"/>
+          </a:p>
+          <a:p>
+            <a:endParaRPr lang="en-US" altLang="zh-CN" sz="1200" dirty="0" smtClean="0"/>
+          </a:p>
+          <a:p>
+            <a:r>
+              <a:rPr lang="zh-CN" altLang="zh-CN" sz="1200" dirty="0"/>
+              <a:t>永久</a:t>
+            </a:r>
+            <a:r>
+              <a:rPr lang="en-US" altLang="zh-CN" sz="1200" dirty="0"/>
+              <a:t>A</a:t>
+            </a:r>
+            <a:r>
+              <a:rPr lang="zh-CN" altLang="zh-CN" sz="1200" dirty="0"/>
+              <a:t>级赛车永久</a:t>
+            </a:r>
+            <a:r>
+              <a:rPr lang="en-US" altLang="zh-CN" sz="1200" dirty="0"/>
+              <a:t>A</a:t>
+            </a:r>
+            <a:r>
+              <a:rPr lang="zh-CN" altLang="zh-CN" sz="1200" dirty="0"/>
+              <a:t>级赛车一直是千万玩家的梦想，现在就去保养自己的爱车，追寻传奇的永久</a:t>
+            </a:r>
+            <a:r>
+              <a:rPr lang="en-US" altLang="zh-CN" sz="1200" dirty="0"/>
+              <a:t>A</a:t>
+            </a:r>
+            <a:r>
+              <a:rPr lang="zh-CN" altLang="zh-CN" sz="1200" dirty="0"/>
+              <a:t>级赛车吧！</a:t>
+            </a:r>
+          </a:p>
+          <a:p>
+            <a:pPr marL="0" indent="0">
+              <a:buNone/>
+            </a:pPr>
+            <a:endParaRPr lang="en-US" altLang="zh-CN" sz="1200" dirty="0"/>
+          </a:p>
+          <a:p>
+            <a:endParaRPr lang="en-US" altLang="zh-CN" sz="1200" dirty="0" smtClean="0"/>
+          </a:p>
+          <a:p>
+            <a:endParaRPr lang="en-US" altLang="zh-CN" sz="1200" dirty="0"/>
+          </a:p>
+          <a:p>
+            <a:endParaRPr lang="zh-CN" altLang="zh-CN" sz="1200" dirty="0"/>
+          </a:p>
+        </p:txBody>
+      </p:sp>
+      <p:pic>
+        <p:nvPicPr>
+          <p:cNvPr id="4" name="图片 3" descr="QQ飞车赛车保养"/>
+          <p:cNvPicPr/>
+          <p:nvPr/>
+        </p:nvPicPr>
+        <p:blipFill>
+          <a:blip r:embed="rId2">
+            <a:extLst>
+              <a:ext uri="{28A0092B-C50C-407E-A947-70E740481C1C}">
+                <a14:useLocalDpi xmlns:a14="http://schemas.microsoft.com/office/drawing/2010/main" val="0"/>
+              </a:ext>
+            </a:extLst>
+          </a:blip>
+          <a:srcRect/>
+          <a:stretch>
+            <a:fillRect/>
+          </a:stretch>
+        </p:blipFill>
+        <p:spPr bwMode="auto">
+          <a:xfrm>
+            <a:off x="1816735" y="2534602"/>
+            <a:ext cx="5510530" cy="1788795"/>
+          </a:xfrm>
+          <a:prstGeom prst="rect">
+            <a:avLst/>
+          </a:prstGeom>
+          <a:noFill/>
+          <a:ln>
+            <a:noFill/>
+          </a:ln>
+        </p:spPr>
+      </p:pic>
+    </p:spTree>
+    <p:extLst>
+      <p:ext uri="{BB962C8B-B14F-4D97-AF65-F5344CB8AC3E}">
+        <p14:creationId xmlns:p14="http://schemas.microsoft.com/office/powerpoint/2010/main" val="3371374209"/>
+      </p:ext>
+    </p:extLst>
+  </p:cSld>
+  <p:clrMapOvr>
+    <a:masterClrMapping/>
+  </p:clrMapOvr>
+  <p:timing>
+    <p:tnLst>
+      <p:par>
+        <p:cTn id="1" dur="indefinite" restart="never" nodeType="tmRoot"/>
+      </p:par>
+    </p:tnLst>
+  </p:timing>
+</p:sld>
+</file>
+
+<file path=ppt/slides/slide27.xml><?xml version="1.0" encoding="utf-8"?>
+<p:sld xmlns:a="http://schemas.openxmlformats.org/drawingml/2006/main" xmlns:r="http://schemas.openxmlformats.org/officeDocument/2006/relationships" xmlns:p="http://schemas.openxmlformats.org/presentationml/2006/main">
+  <p:cSld>
+    <p:spTree>
+      <p:nvGrpSpPr>
+        <p:cNvPr id="1" name=""/>
+        <p:cNvGrpSpPr/>
+        <p:nvPr/>
+      </p:nvGrpSpPr>
+      <p:grpSpPr>
+        <a:xfrm>
+          <a:off x="0" y="0"/>
+          <a:ext cx="0" cy="0"/>
+          <a:chOff x="0" y="0"/>
+          <a:chExt cx="0" cy="0"/>
+        </a:xfrm>
+      </p:grpSpPr>
+      <p:sp>
+        <p:nvSpPr>
+          <p:cNvPr id="2" name="标题 1"/>
+          <p:cNvSpPr>
+            <a:spLocks noGrp="1"/>
+          </p:cNvSpPr>
+          <p:nvPr>
+            <p:ph type="title"/>
+          </p:nvPr>
+        </p:nvSpPr>
+        <p:spPr/>
+        <p:txBody>
+          <a:bodyPr/>
+          <a:lstStyle/>
+          <a:p>
+            <a:r>
+              <a:rPr lang="zh-CN" altLang="en-US" dirty="0"/>
+              <a:t>车队系统</a:t>
+            </a:r>
+          </a:p>
+        </p:txBody>
+      </p:sp>
+      <p:sp>
+        <p:nvSpPr>
+          <p:cNvPr id="3" name="内容占位符 2"/>
+          <p:cNvSpPr>
+            <a:spLocks noGrp="1"/>
+          </p:cNvSpPr>
+          <p:nvPr>
+            <p:ph idx="1"/>
+          </p:nvPr>
+        </p:nvSpPr>
+        <p:spPr/>
+        <p:txBody>
+          <a:bodyPr>
+            <a:normAutofit fontScale="47500" lnSpcReduction="20000"/>
+          </a:bodyPr>
+          <a:lstStyle/>
+          <a:p>
+            <a:r>
+              <a:rPr lang="zh-CN" altLang="en-US" dirty="0"/>
+              <a:t>车队系统是一个强大的能将玩家与好友集合在一起，让玩家的游戏生活更为方便和丰富多彩的系统。它主要分为三大板块，一是车队建立，二是车队管理，三是车队排名。</a:t>
+            </a:r>
+          </a:p>
+          <a:p>
+            <a:r>
+              <a:rPr lang="zh-CN" altLang="en-US" b="1" dirty="0"/>
+              <a:t>　　车队系统介绍</a:t>
+            </a:r>
+            <a:endParaRPr lang="zh-CN" altLang="en-US" dirty="0"/>
+          </a:p>
+          <a:p>
+            <a:r>
+              <a:rPr lang="zh-CN" altLang="en-US" dirty="0"/>
+              <a:t>　　在当前的版本玩家可以创建自己的车队了，如果某个玩家要创建车队，那么他需要达到</a:t>
+            </a:r>
+            <a:r>
+              <a:rPr lang="en-US" altLang="zh-CN" dirty="0"/>
+              <a:t>20</a:t>
+            </a:r>
+            <a:r>
+              <a:rPr lang="zh-CN" altLang="en-US" dirty="0"/>
+              <a:t>级并购买一个车队徽标。创建车队后可以招收车队成员，玩家也可以主动申请加入车队，加入车队没有任何等级限制也不需要购买任何道具，车队队长可以管理自己的车队</a:t>
+            </a:r>
+          </a:p>
+          <a:p>
+            <a:r>
+              <a:rPr lang="zh-CN" altLang="en-US" dirty="0"/>
+              <a:t>　　设置车队的状态和属性等，并且可以委任车队内成员的职务。</a:t>
+            </a:r>
+          </a:p>
+          <a:p>
+            <a:r>
+              <a:rPr lang="zh-CN" altLang="en-US" b="1" dirty="0"/>
+              <a:t>　　建立和加入车队</a:t>
+            </a:r>
+            <a:endParaRPr lang="zh-CN" altLang="en-US" dirty="0"/>
+          </a:p>
+          <a:p>
+            <a:r>
+              <a:rPr lang="zh-CN" altLang="en-US" dirty="0"/>
+              <a:t>　　进入游戏后，点击“我的车队”即可选择“创建车队”或“加入车队”。如果玩家想要创建自己的车队，那么他需要达到</a:t>
+            </a:r>
+            <a:r>
+              <a:rPr lang="en-US" altLang="zh-CN" dirty="0"/>
+              <a:t>20</a:t>
+            </a:r>
+            <a:r>
+              <a:rPr lang="zh-CN" altLang="en-US" dirty="0"/>
+              <a:t>级并购买一个车队徽标。进 入“创建车队”输入车队名称并通过检测即可。车队创建后该玩家将成为车队队长，接下来便可以开始招兵买马</a:t>
+            </a:r>
+            <a:r>
+              <a:rPr lang="en-US" altLang="zh-CN" dirty="0"/>
+              <a:t>——</a:t>
+            </a:r>
+            <a:r>
+              <a:rPr lang="zh-CN" altLang="en-US" dirty="0"/>
+              <a:t>邀请更多的朋友加进自己的车队。玩家也可以主 动申请加入车队，加入车队没有任何等级限制，也不需要购买任何道具。</a:t>
+            </a:r>
+          </a:p>
+          <a:p>
+            <a:r>
+              <a:rPr lang="zh-CN" altLang="en-US" b="1" dirty="0"/>
+              <a:t>　　车队管理</a:t>
+            </a:r>
+            <a:endParaRPr lang="zh-CN" altLang="en-US" dirty="0"/>
+          </a:p>
+          <a:p>
+            <a:r>
+              <a:rPr lang="zh-CN" altLang="en-US" dirty="0"/>
+              <a:t>　　车队队长可以管理自己的车队，设置车队的状态和属性等，并且可以委任车队内成员的职务。车队内目前分为</a:t>
+            </a:r>
+            <a:r>
+              <a:rPr lang="en-US" altLang="zh-CN" dirty="0"/>
+              <a:t>10</a:t>
+            </a:r>
+            <a:r>
+              <a:rPr lang="zh-CN" altLang="en-US" dirty="0"/>
+              <a:t>个等级：队长，副队长，车队官员，车 队核心，车队精英，车队骨干，车队老手，车队成员，新手成员，见习成员。加入车队的玩家在名字显示上会有所表现，会在自己名字下面拥有</a:t>
+            </a:r>
+            <a:r>
+              <a:rPr lang="en-US" altLang="zh-CN" dirty="0"/>
+              <a:t>&lt;</a:t>
+            </a:r>
+            <a:r>
+              <a:rPr lang="zh-CN" altLang="en-US" dirty="0"/>
+              <a:t>车队 名</a:t>
+            </a:r>
+            <a:r>
+              <a:rPr lang="en-US" altLang="zh-CN" dirty="0"/>
+              <a:t>&gt;</a:t>
+            </a:r>
+            <a:r>
+              <a:rPr lang="zh-CN" altLang="en-US" dirty="0"/>
+              <a:t>的标志。</a:t>
+            </a:r>
+          </a:p>
+          <a:p>
+            <a:endParaRPr lang="zh-CN" altLang="en-US" dirty="0" smtClean="0"/>
+          </a:p>
+        </p:txBody>
+      </p:sp>
+    </p:spTree>
+    <p:extLst>
+      <p:ext uri="{BB962C8B-B14F-4D97-AF65-F5344CB8AC3E}">
+        <p14:creationId xmlns:p14="http://schemas.microsoft.com/office/powerpoint/2010/main" val="3425996274"/>
+      </p:ext>
+    </p:extLst>
+  </p:cSld>
+  <p:clrMapOvr>
+    <a:masterClrMapping/>
+  </p:clrMapOvr>
+</p:sld>
+</file>
+
+<file path=ppt/slides/slide28.xml><?xml version="1.0" encoding="utf-8"?>
+<p:sld xmlns:a="http://schemas.openxmlformats.org/drawingml/2006/main" xmlns:r="http://schemas.openxmlformats.org/officeDocument/2006/relationships" xmlns:p="http://schemas.openxmlformats.org/presentationml/2006/main">
+  <p:cSld>
+    <p:spTree>
+      <p:nvGrpSpPr>
+        <p:cNvPr id="1" name=""/>
+        <p:cNvGrpSpPr/>
+        <p:nvPr/>
+      </p:nvGrpSpPr>
+      <p:grpSpPr>
+        <a:xfrm>
+          <a:off x="0" y="0"/>
+          <a:ext cx="0" cy="0"/>
+          <a:chOff x="0" y="0"/>
+          <a:chExt cx="0" cy="0"/>
+        </a:xfrm>
+      </p:grpSpPr>
+      <p:sp>
+        <p:nvSpPr>
+          <p:cNvPr id="2" name="标题 1"/>
+          <p:cNvSpPr>
+            <a:spLocks noGrp="1"/>
+          </p:cNvSpPr>
+          <p:nvPr>
+            <p:ph type="title"/>
+          </p:nvPr>
+        </p:nvSpPr>
+        <p:spPr/>
+        <p:txBody>
+          <a:bodyPr/>
+          <a:lstStyle/>
+          <a:p>
+            <a:endParaRPr lang="zh-CN" altLang="en-US" dirty="0"/>
+          </a:p>
+        </p:txBody>
+      </p:sp>
+      <p:sp>
+        <p:nvSpPr>
+          <p:cNvPr id="3" name="内容占位符 2"/>
+          <p:cNvSpPr>
+            <a:spLocks noGrp="1"/>
+          </p:cNvSpPr>
+          <p:nvPr>
+            <p:ph idx="1"/>
+          </p:nvPr>
+        </p:nvSpPr>
+        <p:spPr/>
+        <p:txBody>
+          <a:bodyPr>
+            <a:normAutofit fontScale="47500" lnSpcReduction="20000"/>
+          </a:bodyPr>
+          <a:lstStyle/>
+          <a:p>
+            <a:r>
+              <a:rPr lang="zh-CN" altLang="zh-CN" b="1" dirty="0"/>
+              <a:t>　车队内目前分为</a:t>
+            </a:r>
+            <a:r>
+              <a:rPr lang="en-US" altLang="zh-CN" b="1" dirty="0"/>
+              <a:t>10</a:t>
+            </a:r>
+            <a:r>
+              <a:rPr lang="zh-CN" altLang="zh-CN" b="1" dirty="0"/>
+              <a:t>个等级：</a:t>
+            </a:r>
+            <a:endParaRPr lang="zh-CN" altLang="zh-CN" dirty="0"/>
+          </a:p>
+          <a:p>
+            <a:r>
+              <a:rPr lang="zh-CN" altLang="zh-CN" dirty="0"/>
+              <a:t>　　队长，副队长，车队官员，车队核心，车队精英，</a:t>
+            </a:r>
+          </a:p>
+          <a:p>
+            <a:r>
+              <a:rPr lang="zh-CN" altLang="zh-CN" dirty="0"/>
+              <a:t>　　车队骨干，车队老手，车队成员，新手成员，见习成员</a:t>
+            </a:r>
+          </a:p>
+          <a:p>
+            <a:r>
+              <a:rPr lang="zh-CN" altLang="zh-CN" dirty="0"/>
+              <a:t>　　加入车队的玩家在名字显示上会有所表现，</a:t>
+            </a:r>
+          </a:p>
+          <a:p>
+            <a:r>
+              <a:rPr lang="zh-CN" altLang="zh-CN" dirty="0"/>
+              <a:t>　　会在自己名字下面拥有《车队名》的标志</a:t>
+            </a:r>
+          </a:p>
+          <a:p>
+            <a:r>
+              <a:rPr lang="zh-CN" altLang="zh-CN" dirty="0"/>
+              <a:t>　　游戏内所有的车队有一个总的排名，</a:t>
+            </a:r>
+          </a:p>
+          <a:p>
+            <a:r>
+              <a:rPr lang="zh-CN" altLang="zh-CN" dirty="0"/>
+              <a:t>　　决定这个排名的唯一标准是车队的积分。</a:t>
+            </a:r>
+          </a:p>
+          <a:p>
+            <a:r>
+              <a:rPr lang="zh-CN" altLang="zh-CN" dirty="0"/>
+              <a:t>　　车队内每个玩家的表现</a:t>
+            </a:r>
+            <a:r>
+              <a:rPr lang="en-US" altLang="zh-CN" dirty="0"/>
+              <a:t>(</a:t>
+            </a:r>
+            <a:r>
+              <a:rPr lang="zh-CN" altLang="zh-CN" dirty="0"/>
+              <a:t>比赛、活跃、消费等</a:t>
+            </a:r>
+            <a:r>
+              <a:rPr lang="en-US" altLang="zh-CN" dirty="0"/>
+              <a:t>)</a:t>
+            </a:r>
+            <a:r>
+              <a:rPr lang="zh-CN" altLang="zh-CN" dirty="0"/>
+              <a:t>都可以为车队贡献积分。</a:t>
+            </a:r>
+          </a:p>
+          <a:p>
+            <a:r>
+              <a:rPr lang="zh-CN" altLang="zh-CN" b="1" dirty="0"/>
+              <a:t>　　</a:t>
+            </a:r>
+            <a:r>
+              <a:rPr lang="en-US" altLang="zh-CN" b="1" dirty="0"/>
+              <a:t>QQ</a:t>
+            </a:r>
+            <a:r>
+              <a:rPr lang="zh-CN" altLang="zh-CN" b="1" dirty="0"/>
+              <a:t>飞车车队排名</a:t>
+            </a:r>
+            <a:endParaRPr lang="zh-CN" altLang="zh-CN" dirty="0"/>
+          </a:p>
+          <a:p>
+            <a:r>
+              <a:rPr lang="zh-CN" altLang="zh-CN" dirty="0"/>
+              <a:t>　　游戏内所有的车队有一个总的排名，决定这个排名的唯一标准是车队的积分。车队内每个玩家的表现</a:t>
+            </a:r>
+            <a:r>
+              <a:rPr lang="en-US" altLang="zh-CN" dirty="0"/>
+              <a:t>(</a:t>
+            </a:r>
+            <a:r>
+              <a:rPr lang="zh-CN" altLang="zh-CN" dirty="0"/>
+              <a:t>比赛、活跃、消费等</a:t>
+            </a:r>
+            <a:r>
+              <a:rPr lang="en-US" altLang="zh-CN" dirty="0"/>
+              <a:t>)</a:t>
+            </a:r>
+            <a:r>
+              <a:rPr lang="zh-CN" altLang="zh-CN" dirty="0"/>
+              <a:t>都可以为车队贡献积分。通 过它的帮助，玩家还能掌握《</a:t>
+            </a:r>
+            <a:r>
+              <a:rPr lang="en-US" altLang="zh-CN" dirty="0"/>
+              <a:t>QQ</a:t>
+            </a:r>
+            <a:r>
+              <a:rPr lang="zh-CN" altLang="zh-CN" dirty="0"/>
+              <a:t>飞车》内所有车队的资料，不仅能为新入驻的玩家寻找到称心满意的车队，还能使其他车队之间知己知彼，让优秀的车队享受更多 荣誉，为落后的车队敲响警钟。</a:t>
+            </a:r>
+          </a:p>
+          <a:p>
+            <a:r>
+              <a:rPr lang="zh-CN" altLang="zh-CN" dirty="0"/>
+              <a:t>　　在车队系统中，你能与情投意合的伙伴分享快乐，分担忧愁，你能与志同道合的朋友切磋技术、交流经验，你能与心意相通的队友并肩作战，以完美的配 合创下全新的记录，获得更多的胜利。每个人都可以贡献出自己的一份力量，为了车队的荣誉而战，在那一刻，你不是一个人在战斗，你不是一个人在漂移。</a:t>
+            </a:r>
+          </a:p>
+          <a:p>
+            <a:r>
+              <a:rPr lang="zh-CN" altLang="zh-CN" dirty="0"/>
+              <a:t>　　面对如此强大的车队系统，你还在犹豫什么呢</a:t>
+            </a:r>
+            <a:r>
+              <a:rPr lang="en-US" altLang="zh-CN" dirty="0"/>
+              <a:t>?</a:t>
+            </a:r>
+            <a:r>
+              <a:rPr lang="zh-CN" altLang="zh-CN" dirty="0"/>
+              <a:t>赶快加入，为了车队更美好的明天而战吧</a:t>
+            </a:r>
+            <a:r>
+              <a:rPr lang="en-US" altLang="zh-CN" dirty="0"/>
+              <a:t>!</a:t>
+            </a:r>
+            <a:endParaRPr lang="zh-CN" altLang="zh-CN" dirty="0"/>
+          </a:p>
+          <a:p>
+            <a:endParaRPr lang="zh-CN" altLang="en-US" dirty="0"/>
+          </a:p>
+        </p:txBody>
+      </p:sp>
+    </p:spTree>
+    <p:extLst>
+      <p:ext uri="{BB962C8B-B14F-4D97-AF65-F5344CB8AC3E}">
+        <p14:creationId xmlns:p14="http://schemas.microsoft.com/office/powerpoint/2010/main" val="3206043411"/>
+      </p:ext>
+    </p:extLst>
+  </p:cSld>
+  <p:clrMapOvr>
+    <a:masterClrMapping/>
+  </p:clrMapOvr>
+</p:sld>
+</file>
+
+<file path=ppt/slides/slide29.xml><?xml version="1.0" encoding="utf-8"?>
+<p:sld xmlns:a="http://schemas.openxmlformats.org/drawingml/2006/main" xmlns:r="http://schemas.openxmlformats.org/officeDocument/2006/relationships" xmlns:p="http://schemas.openxmlformats.org/presentationml/2006/main">
+  <p:cSld>
+    <p:spTree>
+      <p:nvGrpSpPr>
+        <p:cNvPr id="1" name=""/>
+        <p:cNvGrpSpPr/>
+        <p:nvPr/>
+      </p:nvGrpSpPr>
+      <p:grpSpPr>
+        <a:xfrm>
+          <a:off x="0" y="0"/>
+          <a:ext cx="0" cy="0"/>
+          <a:chOff x="0" y="0"/>
+          <a:chExt cx="0" cy="0"/>
+        </a:xfrm>
+      </p:grpSpPr>
+      <p:sp>
+        <p:nvSpPr>
+          <p:cNvPr id="2" name="标题 1"/>
+          <p:cNvSpPr>
+            <a:spLocks noGrp="1"/>
+          </p:cNvSpPr>
+          <p:nvPr>
+            <p:ph type="title"/>
+          </p:nvPr>
+        </p:nvSpPr>
+        <p:spPr/>
+        <p:txBody>
+          <a:bodyPr/>
+          <a:lstStyle/>
+          <a:p>
+            <a:endParaRPr lang="zh-CN" altLang="en-US" dirty="0"/>
+          </a:p>
+        </p:txBody>
+      </p:sp>
+      <p:sp>
+        <p:nvSpPr>
+          <p:cNvPr id="3" name="内容占位符 2"/>
+          <p:cNvSpPr>
+            <a:spLocks noGrp="1"/>
+          </p:cNvSpPr>
+          <p:nvPr>
+            <p:ph idx="1"/>
+          </p:nvPr>
+        </p:nvSpPr>
+        <p:spPr/>
+        <p:txBody>
+          <a:bodyPr/>
+          <a:lstStyle/>
+          <a:p>
+            <a:r>
+              <a:rPr lang="zh-CN" altLang="en-US" dirty="0"/>
+              <a:t>在大厅中选择社交系统，在弹出的社交系统面板中选择车队系统按钮，即可进入车队系统。</a:t>
+            </a:r>
+          </a:p>
+        </p:txBody>
+      </p:sp>
+      <p:pic>
+        <p:nvPicPr>
+          <p:cNvPr id="4" name="图片 3" descr="http://img1.tgbusdata.cn/v2/thumb/jpg/Qzg1MCw1MDAsMTAwLDQsMywxLC0xLDAscms1MA==/u/speed.tgbus.com/UploadFiles_9381/201301/2013010617334109.jpg"/>
+          <p:cNvPicPr/>
+          <p:nvPr/>
+        </p:nvPicPr>
+        <p:blipFill>
+          <a:blip r:embed="rId2">
+            <a:extLst>
+              <a:ext uri="{28A0092B-C50C-407E-A947-70E740481C1C}">
+                <a14:useLocalDpi xmlns:a14="http://schemas.microsoft.com/office/drawing/2010/main" val="0"/>
+              </a:ext>
+            </a:extLst>
+          </a:blip>
+          <a:srcRect/>
+          <a:stretch>
+            <a:fillRect/>
+          </a:stretch>
+        </p:blipFill>
+        <p:spPr bwMode="auto">
+          <a:xfrm>
+            <a:off x="2843808" y="3068960"/>
+            <a:ext cx="4763135" cy="3585845"/>
+          </a:xfrm>
+          <a:prstGeom prst="rect">
+            <a:avLst/>
+          </a:prstGeom>
+          <a:noFill/>
+          <a:ln>
+            <a:noFill/>
+          </a:ln>
+        </p:spPr>
+      </p:pic>
+    </p:spTree>
+    <p:extLst>
+      <p:ext uri="{BB962C8B-B14F-4D97-AF65-F5344CB8AC3E}">
+        <p14:creationId xmlns:p14="http://schemas.microsoft.com/office/powerpoint/2010/main" val="2508697583"/>
       </p:ext>
     </p:extLst>
   </p:cSld>
@@ -6068,6 +7107,486 @@
     <p:extLst>
       <p:ext uri="{BB962C8B-B14F-4D97-AF65-F5344CB8AC3E}">
         <p14:creationId xmlns:p14="http://schemas.microsoft.com/office/powerpoint/2010/main" val="2349606122"/>
+      </p:ext>
+    </p:extLst>
+  </p:cSld>
+  <p:clrMapOvr>
+    <a:masterClrMapping/>
+  </p:clrMapOvr>
+  <p:timing>
+    <p:tnLst>
+      <p:par>
+        <p:cTn id="1" dur="indefinite" restart="never" nodeType="tmRoot"/>
+      </p:par>
+    </p:tnLst>
+  </p:timing>
+</p:sld>
+</file>
+
+<file path=ppt/slides/slide30.xml><?xml version="1.0" encoding="utf-8"?>
+<p:sld xmlns:a="http://schemas.openxmlformats.org/drawingml/2006/main" xmlns:r="http://schemas.openxmlformats.org/officeDocument/2006/relationships" xmlns:p="http://schemas.openxmlformats.org/presentationml/2006/main">
+  <p:cSld>
+    <p:spTree>
+      <p:nvGrpSpPr>
+        <p:cNvPr id="1" name=""/>
+        <p:cNvGrpSpPr/>
+        <p:nvPr/>
+      </p:nvGrpSpPr>
+      <p:grpSpPr>
+        <a:xfrm>
+          <a:off x="0" y="0"/>
+          <a:ext cx="0" cy="0"/>
+          <a:chOff x="0" y="0"/>
+          <a:chExt cx="0" cy="0"/>
+        </a:xfrm>
+      </p:grpSpPr>
+      <p:sp>
+        <p:nvSpPr>
+          <p:cNvPr id="2" name="标题 1"/>
+          <p:cNvSpPr>
+            <a:spLocks noGrp="1"/>
+          </p:cNvSpPr>
+          <p:nvPr>
+            <p:ph type="title"/>
+          </p:nvPr>
+        </p:nvSpPr>
+        <p:spPr/>
+        <p:txBody>
+          <a:bodyPr/>
+          <a:lstStyle/>
+          <a:p>
+            <a:endParaRPr lang="zh-CN" altLang="en-US" dirty="0"/>
+          </a:p>
+        </p:txBody>
+      </p:sp>
+      <p:sp>
+        <p:nvSpPr>
+          <p:cNvPr id="3" name="内容占位符 2"/>
+          <p:cNvSpPr>
+            <a:spLocks noGrp="1"/>
+          </p:cNvSpPr>
+          <p:nvPr>
+            <p:ph idx="1"/>
+          </p:nvPr>
+        </p:nvSpPr>
+        <p:spPr/>
+        <p:txBody>
+          <a:bodyPr/>
+          <a:lstStyle/>
+          <a:p>
+            <a:r>
+              <a:rPr lang="zh-CN" altLang="zh-CN" dirty="0"/>
+              <a:t>　倘若你还没有加入任何一支车队，则可以选择加入一支已有的车队，又或者是创建一支属于自己的车队。</a:t>
+            </a:r>
+            <a:endParaRPr lang="zh-CN" altLang="en-US" dirty="0"/>
+          </a:p>
+        </p:txBody>
+      </p:sp>
+      <p:pic>
+        <p:nvPicPr>
+          <p:cNvPr id="4" name="图片 3" descr="http://img1.tgbusdata.cn/v2/thumb/jpg/MUE2Myw1MDAsMTAwLDQsMywxLC0xLDAscms1MA==/u/speed.tgbus.com/UploadFiles_9381/201301/2013010617334740.jpg"/>
+          <p:cNvPicPr/>
+          <p:nvPr/>
+        </p:nvPicPr>
+        <p:blipFill>
+          <a:blip r:embed="rId2">
+            <a:extLst>
+              <a:ext uri="{28A0092B-C50C-407E-A947-70E740481C1C}">
+                <a14:useLocalDpi xmlns:a14="http://schemas.microsoft.com/office/drawing/2010/main" val="0"/>
+              </a:ext>
+            </a:extLst>
+          </a:blip>
+          <a:srcRect/>
+          <a:stretch>
+            <a:fillRect/>
+          </a:stretch>
+        </p:blipFill>
+        <p:spPr bwMode="auto">
+          <a:xfrm>
+            <a:off x="3563888" y="3140968"/>
+            <a:ext cx="4763135" cy="3585845"/>
+          </a:xfrm>
+          <a:prstGeom prst="rect">
+            <a:avLst/>
+          </a:prstGeom>
+          <a:noFill/>
+          <a:ln>
+            <a:noFill/>
+          </a:ln>
+        </p:spPr>
+      </p:pic>
+    </p:spTree>
+    <p:extLst>
+      <p:ext uri="{BB962C8B-B14F-4D97-AF65-F5344CB8AC3E}">
+        <p14:creationId xmlns:p14="http://schemas.microsoft.com/office/powerpoint/2010/main" val="1756518657"/>
+      </p:ext>
+    </p:extLst>
+  </p:cSld>
+  <p:clrMapOvr>
+    <a:masterClrMapping/>
+  </p:clrMapOvr>
+</p:sld>
+</file>
+
+<file path=ppt/slides/slide31.xml><?xml version="1.0" encoding="utf-8"?>
+<p:sld xmlns:a="http://schemas.openxmlformats.org/drawingml/2006/main" xmlns:r="http://schemas.openxmlformats.org/officeDocument/2006/relationships" xmlns:p="http://schemas.openxmlformats.org/presentationml/2006/main">
+  <p:cSld>
+    <p:spTree>
+      <p:nvGrpSpPr>
+        <p:cNvPr id="1" name=""/>
+        <p:cNvGrpSpPr/>
+        <p:nvPr/>
+      </p:nvGrpSpPr>
+      <p:grpSpPr>
+        <a:xfrm>
+          <a:off x="0" y="0"/>
+          <a:ext cx="0" cy="0"/>
+          <a:chOff x="0" y="0"/>
+          <a:chExt cx="0" cy="0"/>
+        </a:xfrm>
+      </p:grpSpPr>
+      <p:sp>
+        <p:nvSpPr>
+          <p:cNvPr id="2" name="标题 1"/>
+          <p:cNvSpPr>
+            <a:spLocks noGrp="1"/>
+          </p:cNvSpPr>
+          <p:nvPr>
+            <p:ph type="title"/>
+          </p:nvPr>
+        </p:nvSpPr>
+        <p:spPr/>
+        <p:txBody>
+          <a:bodyPr/>
+          <a:lstStyle/>
+          <a:p>
+            <a:endParaRPr lang="zh-CN" altLang="en-US" dirty="0"/>
+          </a:p>
+        </p:txBody>
+      </p:sp>
+      <p:sp>
+        <p:nvSpPr>
+          <p:cNvPr id="3" name="内容占位符 2"/>
+          <p:cNvSpPr>
+            <a:spLocks noGrp="1"/>
+          </p:cNvSpPr>
+          <p:nvPr>
+            <p:ph idx="1"/>
+          </p:nvPr>
+        </p:nvSpPr>
+        <p:spPr/>
+        <p:txBody>
+          <a:bodyPr/>
+          <a:lstStyle/>
+          <a:p>
+            <a:r>
+              <a:rPr lang="zh-CN" altLang="zh-CN" dirty="0"/>
+              <a:t>　想要加入一支已有的车队，只需在车队列表中选择一支喜欢的车队，点击列表左下方的申请加入即可递交入队申请啦。</a:t>
+            </a:r>
+            <a:endParaRPr lang="zh-CN" altLang="en-US" dirty="0"/>
+          </a:p>
+        </p:txBody>
+      </p:sp>
+      <p:pic>
+        <p:nvPicPr>
+          <p:cNvPr id="4" name="图片 3" descr="http://img1.tgbusdata.cn/v2/thumb/jpg/NEUwOSw1MDAsMTAwLDQsMywxLC0xLDAscms1MA==/u/speed.tgbus.com/UploadFiles_9381/201301/2013010617335855.jpg"/>
+          <p:cNvPicPr/>
+          <p:nvPr/>
+        </p:nvPicPr>
+        <p:blipFill>
+          <a:blip r:embed="rId2">
+            <a:extLst>
+              <a:ext uri="{28A0092B-C50C-407E-A947-70E740481C1C}">
+                <a14:useLocalDpi xmlns:a14="http://schemas.microsoft.com/office/drawing/2010/main" val="0"/>
+              </a:ext>
+            </a:extLst>
+          </a:blip>
+          <a:srcRect/>
+          <a:stretch>
+            <a:fillRect/>
+          </a:stretch>
+        </p:blipFill>
+        <p:spPr bwMode="auto">
+          <a:xfrm>
+            <a:off x="2555776" y="3140968"/>
+            <a:ext cx="4763135" cy="3585845"/>
+          </a:xfrm>
+          <a:prstGeom prst="rect">
+            <a:avLst/>
+          </a:prstGeom>
+          <a:noFill/>
+          <a:ln>
+            <a:noFill/>
+          </a:ln>
+        </p:spPr>
+      </p:pic>
+    </p:spTree>
+    <p:extLst>
+      <p:ext uri="{BB962C8B-B14F-4D97-AF65-F5344CB8AC3E}">
+        <p14:creationId xmlns:p14="http://schemas.microsoft.com/office/powerpoint/2010/main" val="1047509267"/>
+      </p:ext>
+    </p:extLst>
+  </p:cSld>
+  <p:clrMapOvr>
+    <a:masterClrMapping/>
+  </p:clrMapOvr>
+</p:sld>
+</file>
+
+<file path=ppt/slides/slide32.xml><?xml version="1.0" encoding="utf-8"?>
+<p:sld xmlns:a="http://schemas.openxmlformats.org/drawingml/2006/main" xmlns:r="http://schemas.openxmlformats.org/officeDocument/2006/relationships" xmlns:p="http://schemas.openxmlformats.org/presentationml/2006/main">
+  <p:cSld>
+    <p:spTree>
+      <p:nvGrpSpPr>
+        <p:cNvPr id="1" name=""/>
+        <p:cNvGrpSpPr/>
+        <p:nvPr/>
+      </p:nvGrpSpPr>
+      <p:grpSpPr>
+        <a:xfrm>
+          <a:off x="0" y="0"/>
+          <a:ext cx="0" cy="0"/>
+          <a:chOff x="0" y="0"/>
+          <a:chExt cx="0" cy="0"/>
+        </a:xfrm>
+      </p:grpSpPr>
+      <p:sp>
+        <p:nvSpPr>
+          <p:cNvPr id="2" name="标题 1"/>
+          <p:cNvSpPr>
+            <a:spLocks noGrp="1"/>
+          </p:cNvSpPr>
+          <p:nvPr>
+            <p:ph type="title"/>
+          </p:nvPr>
+        </p:nvSpPr>
+        <p:spPr/>
+        <p:txBody>
+          <a:bodyPr/>
+          <a:lstStyle/>
+          <a:p>
+            <a:endParaRPr lang="zh-CN" altLang="en-US" dirty="0"/>
+          </a:p>
+        </p:txBody>
+      </p:sp>
+      <p:sp>
+        <p:nvSpPr>
+          <p:cNvPr id="3" name="内容占位符 2"/>
+          <p:cNvSpPr>
+            <a:spLocks noGrp="1"/>
+          </p:cNvSpPr>
+          <p:nvPr>
+            <p:ph idx="1"/>
+          </p:nvPr>
+        </p:nvSpPr>
+        <p:spPr/>
+        <p:txBody>
+          <a:bodyPr>
+            <a:normAutofit/>
+          </a:bodyPr>
+          <a:lstStyle/>
+          <a:p>
+            <a:r>
+              <a:rPr lang="zh-CN" altLang="zh-CN" sz="2800" dirty="0"/>
+              <a:t>而要创建自己的车队，则首选需要达到</a:t>
+            </a:r>
+            <a:r>
+              <a:rPr lang="en-US" altLang="zh-CN" sz="2800" dirty="0"/>
+              <a:t>20</a:t>
+            </a:r>
+            <a:r>
+              <a:rPr lang="zh-CN" altLang="zh-CN" sz="2800" dirty="0"/>
+              <a:t>级，并且在商城中购买一个建立车队所必需的车队徽章</a:t>
+            </a:r>
+            <a:r>
+              <a:rPr lang="en-US" altLang="zh-CN" sz="2800" dirty="0"/>
+              <a:t>(</a:t>
+            </a:r>
+            <a:r>
+              <a:rPr lang="zh-CN" altLang="zh-CN" sz="2800" dirty="0"/>
+              <a:t>记住是徽章而不是勋章哦</a:t>
+            </a:r>
+            <a:r>
+              <a:rPr lang="en-US" altLang="zh-CN" sz="2800" dirty="0"/>
+              <a:t>)</a:t>
+            </a:r>
+            <a:r>
+              <a:rPr lang="zh-CN" altLang="zh-CN" sz="2800" dirty="0"/>
+              <a:t>，即可建立自己的车队啦</a:t>
+            </a:r>
+            <a:r>
+              <a:rPr lang="en-US" altLang="zh-CN" sz="2800" dirty="0"/>
+              <a:t>!</a:t>
+            </a:r>
+            <a:endParaRPr lang="zh-CN" altLang="en-US" sz="2800" dirty="0"/>
+          </a:p>
+        </p:txBody>
+      </p:sp>
+      <p:pic>
+        <p:nvPicPr>
+          <p:cNvPr id="4" name="图片 3" descr="http://img1.tgbusdata.cn/v2/thumb/jpg/NzBCMiw1MDAsMTAwLDQsMywxLC0xLDAscms1MA==/u/speed.tgbus.com/UploadFiles_9381/201301/2013010617341353.jpg"/>
+          <p:cNvPicPr/>
+          <p:nvPr/>
+        </p:nvPicPr>
+        <p:blipFill>
+          <a:blip r:embed="rId2">
+            <a:extLst>
+              <a:ext uri="{28A0092B-C50C-407E-A947-70E740481C1C}">
+                <a14:useLocalDpi xmlns:a14="http://schemas.microsoft.com/office/drawing/2010/main" val="0"/>
+              </a:ext>
+            </a:extLst>
+          </a:blip>
+          <a:srcRect/>
+          <a:stretch>
+            <a:fillRect/>
+          </a:stretch>
+        </p:blipFill>
+        <p:spPr bwMode="auto">
+          <a:xfrm>
+            <a:off x="3923928" y="3140968"/>
+            <a:ext cx="4763135" cy="3585845"/>
+          </a:xfrm>
+          <a:prstGeom prst="rect">
+            <a:avLst/>
+          </a:prstGeom>
+          <a:noFill/>
+          <a:ln>
+            <a:noFill/>
+          </a:ln>
+        </p:spPr>
+      </p:pic>
+    </p:spTree>
+    <p:extLst>
+      <p:ext uri="{BB962C8B-B14F-4D97-AF65-F5344CB8AC3E}">
+        <p14:creationId xmlns:p14="http://schemas.microsoft.com/office/powerpoint/2010/main" val="133956850"/>
+      </p:ext>
+    </p:extLst>
+  </p:cSld>
+  <p:clrMapOvr>
+    <a:masterClrMapping/>
+  </p:clrMapOvr>
+</p:sld>
+</file>
+
+<file path=ppt/slides/slide33.xml><?xml version="1.0" encoding="utf-8"?>
+<p:sld xmlns:a="http://schemas.openxmlformats.org/drawingml/2006/main" xmlns:r="http://schemas.openxmlformats.org/officeDocument/2006/relationships" xmlns:p="http://schemas.openxmlformats.org/presentationml/2006/main">
+  <p:cSld>
+    <p:spTree>
+      <p:nvGrpSpPr>
+        <p:cNvPr id="1" name=""/>
+        <p:cNvGrpSpPr/>
+        <p:nvPr/>
+      </p:nvGrpSpPr>
+      <p:grpSpPr>
+        <a:xfrm>
+          <a:off x="0" y="0"/>
+          <a:ext cx="0" cy="0"/>
+          <a:chOff x="0" y="0"/>
+          <a:chExt cx="0" cy="0"/>
+        </a:xfrm>
+      </p:grpSpPr>
+      <p:sp>
+        <p:nvSpPr>
+          <p:cNvPr id="2" name="标题 1"/>
+          <p:cNvSpPr>
+            <a:spLocks noGrp="1"/>
+          </p:cNvSpPr>
+          <p:nvPr>
+            <p:ph type="title"/>
+          </p:nvPr>
+        </p:nvSpPr>
+        <p:spPr/>
+        <p:txBody>
+          <a:bodyPr/>
+          <a:lstStyle/>
+          <a:p>
+            <a:endParaRPr lang="zh-CN" altLang="en-US" dirty="0"/>
+          </a:p>
+        </p:txBody>
+      </p:sp>
+      <p:sp>
+        <p:nvSpPr>
+          <p:cNvPr id="3" name="内容占位符 2"/>
+          <p:cNvSpPr>
+            <a:spLocks noGrp="1"/>
+          </p:cNvSpPr>
+          <p:nvPr>
+            <p:ph idx="1"/>
+          </p:nvPr>
+        </p:nvSpPr>
+        <p:spPr/>
+        <p:txBody>
+          <a:bodyPr/>
+          <a:lstStyle/>
+          <a:p>
+            <a:r>
+              <a:rPr lang="zh-CN" altLang="zh-CN" sz="2000" dirty="0"/>
+              <a:t>有了自己的车队之后，就可以邀请自己的好友加入了</a:t>
+            </a:r>
+            <a:r>
+              <a:rPr lang="en-US" altLang="zh-CN" sz="2000" dirty="0"/>
+              <a:t>!</a:t>
+            </a:r>
+            <a:r>
+              <a:rPr lang="zh-CN" altLang="zh-CN" sz="2000" dirty="0"/>
+              <a:t>作为队长，可以给队员们设定官位，让他们协助管理车队</a:t>
+            </a:r>
+            <a:r>
+              <a:rPr lang="en-US" altLang="zh-CN" sz="2000" dirty="0"/>
+              <a:t>;</a:t>
+            </a:r>
+            <a:r>
+              <a:rPr lang="zh-CN" altLang="zh-CN" sz="2000" dirty="0"/>
+              <a:t>也可以将扰乱车队气氛的家伙扫地出门。总而言之，你的地盘你做主</a:t>
+            </a:r>
+            <a:r>
+              <a:rPr lang="en-US" altLang="zh-CN" sz="2000" dirty="0"/>
+              <a:t>!</a:t>
+            </a:r>
+            <a:endParaRPr lang="zh-CN" altLang="zh-CN" sz="2000" dirty="0"/>
+          </a:p>
+          <a:p>
+            <a:endParaRPr lang="zh-CN" altLang="en-US" dirty="0"/>
+          </a:p>
+        </p:txBody>
+      </p:sp>
+      <p:pic>
+        <p:nvPicPr>
+          <p:cNvPr id="4" name="图片 3" descr="http://img1.tgbusdata.cn/v2/thumb/jpg/RUYzMSw1MDAsMTAwLDQsMywxLC0xLDAscms1MA==/u/speed.tgbus.com/UploadFiles_9381/201301/2013010617342864.jpg"/>
+          <p:cNvPicPr/>
+          <p:nvPr/>
+        </p:nvPicPr>
+        <p:blipFill>
+          <a:blip r:embed="rId2">
+            <a:extLst>
+              <a:ext uri="{28A0092B-C50C-407E-A947-70E740481C1C}">
+                <a14:useLocalDpi xmlns:a14="http://schemas.microsoft.com/office/drawing/2010/main" val="0"/>
+              </a:ext>
+            </a:extLst>
+          </a:blip>
+          <a:srcRect/>
+          <a:stretch>
+            <a:fillRect/>
+          </a:stretch>
+        </p:blipFill>
+        <p:spPr bwMode="auto">
+          <a:xfrm>
+            <a:off x="3347864" y="3068960"/>
+            <a:ext cx="4763135" cy="3585845"/>
+          </a:xfrm>
+          <a:prstGeom prst="rect">
+            <a:avLst/>
+          </a:prstGeom>
+          <a:noFill/>
+          <a:ln>
+            <a:noFill/>
+          </a:ln>
+        </p:spPr>
+      </p:pic>
+    </p:spTree>
+    <p:extLst>
+      <p:ext uri="{BB962C8B-B14F-4D97-AF65-F5344CB8AC3E}">
+        <p14:creationId xmlns:p14="http://schemas.microsoft.com/office/powerpoint/2010/main" val="107665346"/>
       </p:ext>
     </p:extLst>
   </p:cSld>
@@ -6227,6 +7746,13 @@
   <p:clrMapOvr>
     <a:masterClrMapping/>
   </p:clrMapOvr>
+  <p:timing>
+    <p:tnLst>
+      <p:par>
+        <p:cTn id="1" dur="indefinite" restart="never" nodeType="tmRoot"/>
+      </p:par>
+    </p:tnLst>
+  </p:timing>
 </p:sld>
 </file>
 
@@ -6380,6 +7906,13 @@
   <p:clrMapOvr>
     <a:masterClrMapping/>
   </p:clrMapOvr>
+  <p:timing>
+    <p:tnLst>
+      <p:par>
+        <p:cTn id="1" dur="indefinite" restart="never" nodeType="tmRoot"/>
+      </p:par>
+    </p:tnLst>
+  </p:timing>
 </p:sld>
 </file>
 
@@ -6532,6 +8065,13 @@
   <p:clrMapOvr>
     <a:masterClrMapping/>
   </p:clrMapOvr>
+  <p:timing>
+    <p:tnLst>
+      <p:par>
+        <p:cTn id="1" dur="indefinite" restart="never" nodeType="tmRoot"/>
+      </p:par>
+    </p:tnLst>
+  </p:timing>
 </p:sld>
 </file>
 
@@ -6709,6 +8249,13 @@
   <p:clrMapOvr>
     <a:masterClrMapping/>
   </p:clrMapOvr>
+  <p:timing>
+    <p:tnLst>
+      <p:par>
+        <p:cTn id="1" dur="indefinite" restart="never" nodeType="tmRoot"/>
+      </p:par>
+    </p:tnLst>
+  </p:timing>
 </p:sld>
 </file>
 
@@ -7123,6 +8670,13 @@
   <p:clrMapOvr>
     <a:masterClrMapping/>
   </p:clrMapOvr>
+  <p:timing>
+    <p:tnLst>
+      <p:par>
+        <p:cTn id="1" dur="indefinite" restart="never" nodeType="tmRoot"/>
+      </p:par>
+    </p:tnLst>
+  </p:timing>
 </p:sld>
 </file>
 
@@ -7250,7 +8804,6 @@
               <a:rPr lang="zh-CN" altLang="zh-CN" dirty="0"/>
               <a:t>点额外的名师点，随着名师点的积累，您除了可以成为名师红人，享誉飞车世界外，还可以获得丰厚的奖励，并且名师点的提升还可以增加您同时可带徒弟的上限哦：</a:t>
             </a:r>
-            <a:endParaRPr lang="zh-CN" altLang="zh-CN" dirty="0"/>
           </a:p>
         </p:txBody>
       </p:sp>
@@ -7264,6 +8817,13 @@
   <p:clrMapOvr>
     <a:masterClrMapping/>
   </p:clrMapOvr>
+  <p:timing>
+    <p:tnLst>
+      <p:par>
+        <p:cTn id="1" dur="indefinite" restart="never" nodeType="tmRoot"/>
+      </p:par>
+    </p:tnLst>
+  </p:timing>
 </p:sld>
 </file>
 

--- a/游戏分析/QQ飞车分析.pptx
+++ b/游戏分析/QQ飞车分析.pptx
@@ -38,6 +38,9 @@
     <p:sldId id="284" r:id="rId32"/>
     <p:sldId id="285" r:id="rId33"/>
     <p:sldId id="286" r:id="rId34"/>
+    <p:sldId id="289" r:id="rId35"/>
+    <p:sldId id="290" r:id="rId36"/>
+    <p:sldId id="291" r:id="rId37"/>
   </p:sldIdLst>
   <p:sldSz cx="9144000" cy="6858000" type="screen4x3"/>
   <p:notesSz cx="6858000" cy="9144000"/>
@@ -320,7 +323,7 @@
           <a:p>
             <a:fld id="{530820CF-B880-4189-942D-D702A7CBA730}" type="datetimeFigureOut">
               <a:rPr lang="zh-CN" altLang="en-US" smtClean="0"/>
-              <a:t>2013-8-9</a:t>
+              <a:t>2013-8-10</a:t>
             </a:fld>
             <a:endParaRPr lang="zh-CN" altLang="en-US"/>
           </a:p>
@@ -485,7 +488,7 @@
           <a:p>
             <a:fld id="{530820CF-B880-4189-942D-D702A7CBA730}" type="datetimeFigureOut">
               <a:rPr lang="zh-CN" altLang="en-US" smtClean="0"/>
-              <a:t>2013-8-9</a:t>
+              <a:t>2013-8-10</a:t>
             </a:fld>
             <a:endParaRPr lang="zh-CN" altLang="en-US"/>
           </a:p>
@@ -660,7 +663,7 @@
           <a:p>
             <a:fld id="{530820CF-B880-4189-942D-D702A7CBA730}" type="datetimeFigureOut">
               <a:rPr lang="zh-CN" altLang="en-US" smtClean="0"/>
-              <a:t>2013-8-9</a:t>
+              <a:t>2013-8-10</a:t>
             </a:fld>
             <a:endParaRPr lang="zh-CN" altLang="en-US"/>
           </a:p>
@@ -825,7 +828,7 @@
           <a:p>
             <a:fld id="{530820CF-B880-4189-942D-D702A7CBA730}" type="datetimeFigureOut">
               <a:rPr lang="zh-CN" altLang="en-US" smtClean="0"/>
-              <a:t>2013-8-9</a:t>
+              <a:t>2013-8-10</a:t>
             </a:fld>
             <a:endParaRPr lang="zh-CN" altLang="en-US"/>
           </a:p>
@@ -1066,7 +1069,7 @@
           <a:p>
             <a:fld id="{530820CF-B880-4189-942D-D702A7CBA730}" type="datetimeFigureOut">
               <a:rPr lang="zh-CN" altLang="en-US" smtClean="0"/>
-              <a:t>2013-8-9</a:t>
+              <a:t>2013-8-10</a:t>
             </a:fld>
             <a:endParaRPr lang="zh-CN" altLang="en-US"/>
           </a:p>
@@ -1349,7 +1352,7 @@
           <a:p>
             <a:fld id="{530820CF-B880-4189-942D-D702A7CBA730}" type="datetimeFigureOut">
               <a:rPr lang="zh-CN" altLang="en-US" smtClean="0"/>
-              <a:t>2013-8-9</a:t>
+              <a:t>2013-8-10</a:t>
             </a:fld>
             <a:endParaRPr lang="zh-CN" altLang="en-US"/>
           </a:p>
@@ -1766,7 +1769,7 @@
           <a:p>
             <a:fld id="{530820CF-B880-4189-942D-D702A7CBA730}" type="datetimeFigureOut">
               <a:rPr lang="zh-CN" altLang="en-US" smtClean="0"/>
-              <a:t>2013-8-9</a:t>
+              <a:t>2013-8-10</a:t>
             </a:fld>
             <a:endParaRPr lang="zh-CN" altLang="en-US"/>
           </a:p>
@@ -1879,7 +1882,7 @@
           <a:p>
             <a:fld id="{530820CF-B880-4189-942D-D702A7CBA730}" type="datetimeFigureOut">
               <a:rPr lang="zh-CN" altLang="en-US" smtClean="0"/>
-              <a:t>2013-8-9</a:t>
+              <a:t>2013-8-10</a:t>
             </a:fld>
             <a:endParaRPr lang="zh-CN" altLang="en-US"/>
           </a:p>
@@ -1969,7 +1972,7 @@
           <a:p>
             <a:fld id="{530820CF-B880-4189-942D-D702A7CBA730}" type="datetimeFigureOut">
               <a:rPr lang="zh-CN" altLang="en-US" smtClean="0"/>
-              <a:t>2013-8-9</a:t>
+              <a:t>2013-8-10</a:t>
             </a:fld>
             <a:endParaRPr lang="zh-CN" altLang="en-US"/>
           </a:p>
@@ -2241,7 +2244,7 @@
           <a:p>
             <a:fld id="{530820CF-B880-4189-942D-D702A7CBA730}" type="datetimeFigureOut">
               <a:rPr lang="zh-CN" altLang="en-US" smtClean="0"/>
-              <a:t>2013-8-9</a:t>
+              <a:t>2013-8-10</a:t>
             </a:fld>
             <a:endParaRPr lang="zh-CN" altLang="en-US"/>
           </a:p>
@@ -2489,7 +2492,7 @@
           <a:p>
             <a:fld id="{530820CF-B880-4189-942D-D702A7CBA730}" type="datetimeFigureOut">
               <a:rPr lang="zh-CN" altLang="en-US" smtClean="0"/>
-              <a:t>2013-8-9</a:t>
+              <a:t>2013-8-10</a:t>
             </a:fld>
             <a:endParaRPr lang="zh-CN" altLang="en-US"/>
           </a:p>
@@ -2697,7 +2700,7 @@
           <a:p>
             <a:fld id="{530820CF-B880-4189-942D-D702A7CBA730}" type="datetimeFigureOut">
               <a:rPr lang="zh-CN" altLang="en-US" smtClean="0"/>
-              <a:t>2013-8-9</a:t>
+              <a:t>2013-8-10</a:t>
             </a:fld>
             <a:endParaRPr lang="zh-CN" altLang="en-US"/>
           </a:p>
@@ -7587,6 +7590,345 @@
     <p:extLst>
       <p:ext uri="{BB962C8B-B14F-4D97-AF65-F5344CB8AC3E}">
         <p14:creationId xmlns:p14="http://schemas.microsoft.com/office/powerpoint/2010/main" val="107665346"/>
+      </p:ext>
+    </p:extLst>
+  </p:cSld>
+  <p:clrMapOvr>
+    <a:masterClrMapping/>
+  </p:clrMapOvr>
+</p:sld>
+</file>
+
+<file path=ppt/slides/slide34.xml><?xml version="1.0" encoding="utf-8"?>
+<p:sld xmlns:a="http://schemas.openxmlformats.org/drawingml/2006/main" xmlns:r="http://schemas.openxmlformats.org/officeDocument/2006/relationships" xmlns:p="http://schemas.openxmlformats.org/presentationml/2006/main">
+  <p:cSld>
+    <p:spTree>
+      <p:nvGrpSpPr>
+        <p:cNvPr id="1" name=""/>
+        <p:cNvGrpSpPr/>
+        <p:nvPr/>
+      </p:nvGrpSpPr>
+      <p:grpSpPr>
+        <a:xfrm>
+          <a:off x="0" y="0"/>
+          <a:ext cx="0" cy="0"/>
+          <a:chOff x="0" y="0"/>
+          <a:chExt cx="0" cy="0"/>
+        </a:xfrm>
+      </p:grpSpPr>
+      <p:sp>
+        <p:nvSpPr>
+          <p:cNvPr id="2" name="标题 1"/>
+          <p:cNvSpPr>
+            <a:spLocks noGrp="1"/>
+          </p:cNvSpPr>
+          <p:nvPr>
+            <p:ph type="title"/>
+          </p:nvPr>
+        </p:nvSpPr>
+        <p:spPr/>
+        <p:txBody>
+          <a:bodyPr/>
+          <a:lstStyle/>
+          <a:p>
+            <a:r>
+              <a:rPr lang="zh-CN" altLang="en-US" dirty="0" smtClean="0"/>
+              <a:t>漂流瓶系统</a:t>
+            </a:r>
+            <a:endParaRPr lang="zh-CN" altLang="en-US" dirty="0"/>
+          </a:p>
+        </p:txBody>
+      </p:sp>
+      <p:sp>
+        <p:nvSpPr>
+          <p:cNvPr id="3" name="内容占位符 2"/>
+          <p:cNvSpPr>
+            <a:spLocks noGrp="1"/>
+          </p:cNvSpPr>
+          <p:nvPr>
+            <p:ph idx="1"/>
+          </p:nvPr>
+        </p:nvSpPr>
+        <p:spPr/>
+        <p:txBody>
+          <a:bodyPr/>
+          <a:lstStyle/>
+          <a:p>
+            <a:r>
+              <a:rPr lang="zh-CN" altLang="zh-CN" dirty="0"/>
+              <a:t>　</a:t>
+            </a:r>
+            <a:r>
+              <a:rPr lang="en-US" altLang="zh-CN" dirty="0"/>
+              <a:t>QQ</a:t>
+            </a:r>
+            <a:r>
+              <a:rPr lang="zh-CN" altLang="zh-CN" dirty="0"/>
+              <a:t>飞车漂流瓶系统是</a:t>
+            </a:r>
+            <a:r>
+              <a:rPr lang="en-US" altLang="zh-CN" dirty="0"/>
+              <a:t>QQ</a:t>
+            </a:r>
+            <a:r>
+              <a:rPr lang="zh-CN" altLang="zh-CN" dirty="0"/>
+              <a:t>飞车新版本《瓶瓶漂流季》全新推出的娱乐系统。</a:t>
+            </a:r>
+            <a:r>
+              <a:rPr lang="en-US" altLang="zh-CN" dirty="0"/>
+              <a:t>QQ</a:t>
+            </a:r>
+            <a:r>
+              <a:rPr lang="zh-CN" altLang="zh-CN" dirty="0"/>
+              <a:t>飞车漂流瓶系统和</a:t>
+            </a:r>
+            <a:r>
+              <a:rPr lang="en-US" altLang="zh-CN" dirty="0"/>
+              <a:t>QQ</a:t>
+            </a:r>
+            <a:r>
+              <a:rPr lang="zh-CN" altLang="zh-CN" dirty="0"/>
+              <a:t>邮箱中的漂流瓶是基本一样的，如果你对</a:t>
+            </a:r>
+            <a:r>
+              <a:rPr lang="en-US" altLang="zh-CN" dirty="0"/>
+              <a:t>QQ</a:t>
+            </a:r>
+            <a:r>
+              <a:rPr lang="zh-CN" altLang="zh-CN" dirty="0"/>
+              <a:t>飞车漂流瓶系统还不是非常了解的话，下面的介绍可要仔细看看咯</a:t>
+            </a:r>
+            <a:r>
+              <a:rPr lang="en-US" altLang="zh-CN" dirty="0"/>
+              <a:t>~</a:t>
+            </a:r>
+            <a:endParaRPr lang="zh-CN" altLang="zh-CN" dirty="0"/>
+          </a:p>
+          <a:p>
+            <a:endParaRPr lang="zh-CN" altLang="en-US" dirty="0"/>
+          </a:p>
+        </p:txBody>
+      </p:sp>
+    </p:spTree>
+    <p:extLst>
+      <p:ext uri="{BB962C8B-B14F-4D97-AF65-F5344CB8AC3E}">
+        <p14:creationId xmlns:p14="http://schemas.microsoft.com/office/powerpoint/2010/main" val="472467976"/>
+      </p:ext>
+    </p:extLst>
+  </p:cSld>
+  <p:clrMapOvr>
+    <a:masterClrMapping/>
+  </p:clrMapOvr>
+</p:sld>
+</file>
+
+<file path=ppt/slides/slide35.xml><?xml version="1.0" encoding="utf-8"?>
+<p:sld xmlns:a="http://schemas.openxmlformats.org/drawingml/2006/main" xmlns:r="http://schemas.openxmlformats.org/officeDocument/2006/relationships" xmlns:p="http://schemas.openxmlformats.org/presentationml/2006/main">
+  <p:cSld>
+    <p:spTree>
+      <p:nvGrpSpPr>
+        <p:cNvPr id="1" name=""/>
+        <p:cNvGrpSpPr/>
+        <p:nvPr/>
+      </p:nvGrpSpPr>
+      <p:grpSpPr>
+        <a:xfrm>
+          <a:off x="0" y="0"/>
+          <a:ext cx="0" cy="0"/>
+          <a:chOff x="0" y="0"/>
+          <a:chExt cx="0" cy="0"/>
+        </a:xfrm>
+      </p:grpSpPr>
+      <p:sp>
+        <p:nvSpPr>
+          <p:cNvPr id="2" name="标题 1"/>
+          <p:cNvSpPr>
+            <a:spLocks noGrp="1"/>
+          </p:cNvSpPr>
+          <p:nvPr>
+            <p:ph type="title"/>
+          </p:nvPr>
+        </p:nvSpPr>
+        <p:spPr/>
+        <p:txBody>
+          <a:bodyPr>
+            <a:normAutofit fontScale="90000"/>
+          </a:bodyPr>
+          <a:lstStyle/>
+          <a:p>
+            <a:r>
+              <a:rPr lang="zh-CN" altLang="zh-CN" dirty="0"/>
+              <a:t>　</a:t>
+            </a:r>
+            <a:r>
+              <a:rPr lang="zh-CN" altLang="zh-CN" b="1" dirty="0"/>
+              <a:t>一、漂流瓶界面介绍</a:t>
+            </a:r>
+            <a:r>
+              <a:rPr lang="zh-CN" altLang="zh-CN" dirty="0"/>
+              <a:t/>
+            </a:r>
+            <a:br>
+              <a:rPr lang="zh-CN" altLang="zh-CN" dirty="0"/>
+            </a:br>
+            <a:endParaRPr lang="zh-CN" altLang="en-US" dirty="0"/>
+          </a:p>
+        </p:txBody>
+      </p:sp>
+      <p:pic>
+        <p:nvPicPr>
+          <p:cNvPr id="4" name="内容占位符 3" descr="http://img1.tgbusdata.cn/v2/thumb/jpg/MzQzOSwyODgsMTAwLDQsMywxLC0xLDAscms1MA==/u/speed.tgbus.com/UploadFiles_9381/201301/2013010617345882.jpg"/>
+          <p:cNvPicPr>
+            <a:picLocks noGrp="1"/>
+          </p:cNvPicPr>
+          <p:nvPr>
+            <p:ph idx="1"/>
+          </p:nvPr>
+        </p:nvPicPr>
+        <p:blipFill>
+          <a:blip r:embed="rId2">
+            <a:extLst>
+              <a:ext uri="{28A0092B-C50C-407E-A947-70E740481C1C}">
+                <a14:useLocalDpi xmlns:a14="http://schemas.microsoft.com/office/drawing/2010/main" val="0"/>
+              </a:ext>
+            </a:extLst>
+          </a:blip>
+          <a:srcRect/>
+          <a:stretch>
+            <a:fillRect/>
+          </a:stretch>
+        </p:blipFill>
+        <p:spPr bwMode="auto">
+          <a:xfrm>
+            <a:off x="395536" y="1484784"/>
+            <a:ext cx="2743200" cy="2209800"/>
+          </a:xfrm>
+          <a:prstGeom prst="rect">
+            <a:avLst/>
+          </a:prstGeom>
+          <a:noFill/>
+          <a:ln>
+            <a:noFill/>
+          </a:ln>
+        </p:spPr>
+      </p:pic>
+      <p:pic>
+        <p:nvPicPr>
+          <p:cNvPr id="5" name="图片 4" descr="http://img1.tgbusdata.cn/v2/thumb/jpg/NzU1OCw1NTAsMTAwLDQsMywxLC0xLDAscms1MA==/u/speed.tgbus.com/UploadFiles_9381/201301/2013010617350672.jpg"/>
+          <p:cNvPicPr/>
+          <p:nvPr/>
+        </p:nvPicPr>
+        <p:blipFill>
+          <a:blip r:embed="rId3">
+            <a:extLst>
+              <a:ext uri="{28A0092B-C50C-407E-A947-70E740481C1C}">
+                <a14:useLocalDpi xmlns:a14="http://schemas.microsoft.com/office/drawing/2010/main" val="0"/>
+              </a:ext>
+            </a:extLst>
+          </a:blip>
+          <a:srcRect/>
+          <a:stretch>
+            <a:fillRect/>
+          </a:stretch>
+        </p:blipFill>
+        <p:spPr bwMode="auto">
+          <a:xfrm>
+            <a:off x="3419872" y="1052736"/>
+            <a:ext cx="5240020" cy="4197985"/>
+          </a:xfrm>
+          <a:prstGeom prst="rect">
+            <a:avLst/>
+          </a:prstGeom>
+          <a:noFill/>
+          <a:ln>
+            <a:noFill/>
+          </a:ln>
+        </p:spPr>
+      </p:pic>
+    </p:spTree>
+    <p:extLst>
+      <p:ext uri="{BB962C8B-B14F-4D97-AF65-F5344CB8AC3E}">
+        <p14:creationId xmlns:p14="http://schemas.microsoft.com/office/powerpoint/2010/main" val="4288114894"/>
+      </p:ext>
+    </p:extLst>
+  </p:cSld>
+  <p:clrMapOvr>
+    <a:masterClrMapping/>
+  </p:clrMapOvr>
+</p:sld>
+</file>
+
+<file path=ppt/slides/slide36.xml><?xml version="1.0" encoding="utf-8"?>
+<p:sld xmlns:a="http://schemas.openxmlformats.org/drawingml/2006/main" xmlns:r="http://schemas.openxmlformats.org/officeDocument/2006/relationships" xmlns:p="http://schemas.openxmlformats.org/presentationml/2006/main">
+  <p:cSld>
+    <p:spTree>
+      <p:nvGrpSpPr>
+        <p:cNvPr id="1" name=""/>
+        <p:cNvGrpSpPr/>
+        <p:nvPr/>
+      </p:nvGrpSpPr>
+      <p:grpSpPr>
+        <a:xfrm>
+          <a:off x="0" y="0"/>
+          <a:ext cx="0" cy="0"/>
+          <a:chOff x="0" y="0"/>
+          <a:chExt cx="0" cy="0"/>
+        </a:xfrm>
+      </p:grpSpPr>
+      <p:sp>
+        <p:nvSpPr>
+          <p:cNvPr id="2" name="标题 1"/>
+          <p:cNvSpPr>
+            <a:spLocks noGrp="1"/>
+          </p:cNvSpPr>
+          <p:nvPr>
+            <p:ph type="title"/>
+          </p:nvPr>
+        </p:nvSpPr>
+        <p:spPr/>
+        <p:txBody>
+          <a:bodyPr/>
+          <a:lstStyle/>
+          <a:p>
+            <a:endParaRPr lang="zh-CN" altLang="en-US"/>
+          </a:p>
+        </p:txBody>
+      </p:sp>
+      <p:sp>
+        <p:nvSpPr>
+          <p:cNvPr id="3" name="内容占位符 2"/>
+          <p:cNvSpPr>
+            <a:spLocks noGrp="1"/>
+          </p:cNvSpPr>
+          <p:nvPr>
+            <p:ph idx="1"/>
+          </p:nvPr>
+        </p:nvSpPr>
+        <p:spPr/>
+        <p:txBody>
+          <a:bodyPr/>
+          <a:lstStyle/>
+          <a:p>
+            <a:r>
+              <a:rPr lang="zh-CN" altLang="zh-CN" dirty="0"/>
+              <a:t>首先，在社交系统和系统右侧的快捷按钮就可以打开漂流瓶系统界面，在这里，你可以看到新版本中全新推出的漂流瓶：飞车瓶和交往瓶。飞车瓶是一种 可以随意发送任何内容和他人交流的瓶子</a:t>
+            </a:r>
+            <a:r>
+              <a:rPr lang="en-US" altLang="zh-CN" dirty="0"/>
+              <a:t>;</a:t>
+            </a:r>
+            <a:r>
+              <a:rPr lang="zh-CN" altLang="zh-CN" dirty="0"/>
+              <a:t>交往瓶是一种专门发给异性的求交往的瓶子</a:t>
+            </a:r>
+            <a:endParaRPr lang="zh-CN" altLang="en-US" dirty="0"/>
+          </a:p>
+        </p:txBody>
+      </p:sp>
+    </p:spTree>
+    <p:extLst>
+      <p:ext uri="{BB962C8B-B14F-4D97-AF65-F5344CB8AC3E}">
+        <p14:creationId xmlns:p14="http://schemas.microsoft.com/office/powerpoint/2010/main" val="608712264"/>
       </p:ext>
     </p:extLst>
   </p:cSld>
